--- a/slide.pptx
+++ b/slide.pptx
@@ -4,16 +4,19 @@
   <p:sldMasterIdLst>
     <p:sldMasterId id="2147483708" r:id="rId1"/>
   </p:sldMasterIdLst>
+  <p:notesMasterIdLst>
+    <p:notesMasterId r:id="rId16"/>
+  </p:notesMasterIdLst>
   <p:sldIdLst>
     <p:sldId id="256" r:id="rId2"/>
     <p:sldId id="258" r:id="rId3"/>
     <p:sldId id="259" r:id="rId4"/>
     <p:sldId id="268" r:id="rId5"/>
     <p:sldId id="260" r:id="rId6"/>
-    <p:sldId id="261" r:id="rId7"/>
-    <p:sldId id="273" r:id="rId8"/>
-    <p:sldId id="272" r:id="rId9"/>
-    <p:sldId id="262" r:id="rId10"/>
+    <p:sldId id="273" r:id="rId7"/>
+    <p:sldId id="272" r:id="rId8"/>
+    <p:sldId id="262" r:id="rId9"/>
+    <p:sldId id="274" r:id="rId10"/>
     <p:sldId id="269" r:id="rId11"/>
     <p:sldId id="270" r:id="rId12"/>
     <p:sldId id="263" r:id="rId13"/>
@@ -123,6 +126,2206 @@
     </p:ext>
   </p:extLst>
 </p:presentation>
+</file>
+
+<file path=ppt/notesMasters/notesMaster1.xml><?xml version="1.0" encoding="utf-8"?>
+<p:notesMaster xmlns:a="http://schemas.openxmlformats.org/drawingml/2006/main" xmlns:r="http://schemas.openxmlformats.org/officeDocument/2006/relationships" xmlns:p="http://schemas.openxmlformats.org/presentationml/2006/main">
+  <p:cSld>
+    <p:bg>
+      <p:bgRef idx="1001">
+        <a:schemeClr val="bg1"/>
+      </p:bgRef>
+    </p:bg>
+    <p:spTree>
+      <p:nvGrpSpPr>
+        <p:cNvPr id="1" name=""/>
+        <p:cNvGrpSpPr/>
+        <p:nvPr/>
+      </p:nvGrpSpPr>
+      <p:grpSpPr>
+        <a:xfrm>
+          <a:off x="0" y="0"/>
+          <a:ext cx="0" cy="0"/>
+          <a:chOff x="0" y="0"/>
+          <a:chExt cx="0" cy="0"/>
+        </a:xfrm>
+      </p:grpSpPr>
+      <p:sp>
+        <p:nvSpPr>
+          <p:cNvPr id="2" name="Header Placeholder 1"/>
+          <p:cNvSpPr>
+            <a:spLocks noGrp="1"/>
+          </p:cNvSpPr>
+          <p:nvPr>
+            <p:ph type="hdr" sz="quarter"/>
+          </p:nvPr>
+        </p:nvSpPr>
+        <p:spPr>
+          <a:xfrm>
+            <a:off x="0" y="0"/>
+            <a:ext cx="2971800" cy="458788"/>
+          </a:xfrm>
+          <a:prstGeom prst="rect">
+            <a:avLst/>
+          </a:prstGeom>
+        </p:spPr>
+        <p:txBody>
+          <a:bodyPr vert="horz" lIns="91440" tIns="45720" rIns="91440" bIns="45720" rtlCol="0"/>
+          <a:lstStyle>
+            <a:lvl1pPr algn="l">
+              <a:defRPr sz="1200"/>
+            </a:lvl1pPr>
+          </a:lstStyle>
+          <a:p>
+            <a:endParaRPr lang="en-US"/>
+          </a:p>
+        </p:txBody>
+      </p:sp>
+      <p:sp>
+        <p:nvSpPr>
+          <p:cNvPr id="3" name="Date Placeholder 2"/>
+          <p:cNvSpPr>
+            <a:spLocks noGrp="1"/>
+          </p:cNvSpPr>
+          <p:nvPr>
+            <p:ph type="dt" idx="1"/>
+          </p:nvPr>
+        </p:nvSpPr>
+        <p:spPr>
+          <a:xfrm>
+            <a:off x="3884613" y="0"/>
+            <a:ext cx="2971800" cy="458788"/>
+          </a:xfrm>
+          <a:prstGeom prst="rect">
+            <a:avLst/>
+          </a:prstGeom>
+        </p:spPr>
+        <p:txBody>
+          <a:bodyPr vert="horz" lIns="91440" tIns="45720" rIns="91440" bIns="45720" rtlCol="0"/>
+          <a:lstStyle>
+            <a:lvl1pPr algn="r">
+              <a:defRPr sz="1200"/>
+            </a:lvl1pPr>
+          </a:lstStyle>
+          <a:p>
+            <a:fld id="{D5DB9447-5FDC-4315-9D6C-BEBB5A87BB32}" type="datetimeFigureOut">
+              <a:rPr lang="en-US" smtClean="0"/>
+              <a:t>6/13/2024</a:t>
+            </a:fld>
+            <a:endParaRPr lang="en-US"/>
+          </a:p>
+        </p:txBody>
+      </p:sp>
+      <p:sp>
+        <p:nvSpPr>
+          <p:cNvPr id="4" name="Slide Image Placeholder 3"/>
+          <p:cNvSpPr>
+            <a:spLocks noGrp="1" noRot="1" noChangeAspect="1"/>
+          </p:cNvSpPr>
+          <p:nvPr>
+            <p:ph type="sldImg" idx="2"/>
+          </p:nvPr>
+        </p:nvSpPr>
+        <p:spPr>
+          <a:xfrm>
+            <a:off x="1371600" y="1143000"/>
+            <a:ext cx="4114800" cy="3086100"/>
+          </a:xfrm>
+          <a:prstGeom prst="rect">
+            <a:avLst/>
+          </a:prstGeom>
+          <a:noFill/>
+          <a:ln w="12700">
+            <a:solidFill>
+              <a:prstClr val="black"/>
+            </a:solidFill>
+          </a:ln>
+        </p:spPr>
+        <p:txBody>
+          <a:bodyPr vert="horz" lIns="91440" tIns="45720" rIns="91440" bIns="45720" rtlCol="0" anchor="ctr"/>
+          <a:lstStyle/>
+          <a:p>
+            <a:endParaRPr lang="en-US"/>
+          </a:p>
+        </p:txBody>
+      </p:sp>
+      <p:sp>
+        <p:nvSpPr>
+          <p:cNvPr id="5" name="Notes Placeholder 4"/>
+          <p:cNvSpPr>
+            <a:spLocks noGrp="1"/>
+          </p:cNvSpPr>
+          <p:nvPr>
+            <p:ph type="body" sz="quarter" idx="3"/>
+          </p:nvPr>
+        </p:nvSpPr>
+        <p:spPr>
+          <a:xfrm>
+            <a:off x="685800" y="4400550"/>
+            <a:ext cx="5486400" cy="3600450"/>
+          </a:xfrm>
+          <a:prstGeom prst="rect">
+            <a:avLst/>
+          </a:prstGeom>
+        </p:spPr>
+        <p:txBody>
+          <a:bodyPr vert="horz" lIns="91440" tIns="45720" rIns="91440" bIns="45720" rtlCol="0"/>
+          <a:lstStyle/>
+          <a:p>
+            <a:pPr lvl="0"/>
+            <a:r>
+              <a:rPr lang="en-US"/>
+              <a:t>Click to edit Master text styles</a:t>
+            </a:r>
+          </a:p>
+          <a:p>
+            <a:pPr lvl="1"/>
+            <a:r>
+              <a:rPr lang="en-US"/>
+              <a:t>Second level</a:t>
+            </a:r>
+          </a:p>
+          <a:p>
+            <a:pPr lvl="2"/>
+            <a:r>
+              <a:rPr lang="en-US"/>
+              <a:t>Third level</a:t>
+            </a:r>
+          </a:p>
+          <a:p>
+            <a:pPr lvl="3"/>
+            <a:r>
+              <a:rPr lang="en-US"/>
+              <a:t>Fourth level</a:t>
+            </a:r>
+          </a:p>
+          <a:p>
+            <a:pPr lvl="4"/>
+            <a:r>
+              <a:rPr lang="en-US"/>
+              <a:t>Fifth level</a:t>
+            </a:r>
+          </a:p>
+        </p:txBody>
+      </p:sp>
+      <p:sp>
+        <p:nvSpPr>
+          <p:cNvPr id="6" name="Footer Placeholder 5"/>
+          <p:cNvSpPr>
+            <a:spLocks noGrp="1"/>
+          </p:cNvSpPr>
+          <p:nvPr>
+            <p:ph type="ftr" sz="quarter" idx="4"/>
+          </p:nvPr>
+        </p:nvSpPr>
+        <p:spPr>
+          <a:xfrm>
+            <a:off x="0" y="8685213"/>
+            <a:ext cx="2971800" cy="458787"/>
+          </a:xfrm>
+          <a:prstGeom prst="rect">
+            <a:avLst/>
+          </a:prstGeom>
+        </p:spPr>
+        <p:txBody>
+          <a:bodyPr vert="horz" lIns="91440" tIns="45720" rIns="91440" bIns="45720" rtlCol="0" anchor="b"/>
+          <a:lstStyle>
+            <a:lvl1pPr algn="l">
+              <a:defRPr sz="1200"/>
+            </a:lvl1pPr>
+          </a:lstStyle>
+          <a:p>
+            <a:endParaRPr lang="en-US"/>
+          </a:p>
+        </p:txBody>
+      </p:sp>
+      <p:sp>
+        <p:nvSpPr>
+          <p:cNvPr id="7" name="Slide Number Placeholder 6"/>
+          <p:cNvSpPr>
+            <a:spLocks noGrp="1"/>
+          </p:cNvSpPr>
+          <p:nvPr>
+            <p:ph type="sldNum" sz="quarter" idx="5"/>
+          </p:nvPr>
+        </p:nvSpPr>
+        <p:spPr>
+          <a:xfrm>
+            <a:off x="3884613" y="8685213"/>
+            <a:ext cx="2971800" cy="458787"/>
+          </a:xfrm>
+          <a:prstGeom prst="rect">
+            <a:avLst/>
+          </a:prstGeom>
+        </p:spPr>
+        <p:txBody>
+          <a:bodyPr vert="horz" lIns="91440" tIns="45720" rIns="91440" bIns="45720" rtlCol="0" anchor="b"/>
+          <a:lstStyle>
+            <a:lvl1pPr algn="r">
+              <a:defRPr sz="1200"/>
+            </a:lvl1pPr>
+          </a:lstStyle>
+          <a:p>
+            <a:fld id="{89963F0C-BEE8-4C07-A373-1E838A12F5A3}" type="slidenum">
+              <a:rPr lang="en-US" smtClean="0"/>
+              <a:t>‹#›</a:t>
+            </a:fld>
+            <a:endParaRPr lang="en-US"/>
+          </a:p>
+        </p:txBody>
+      </p:sp>
+    </p:spTree>
+    <p:extLst>
+      <p:ext uri="{BB962C8B-B14F-4D97-AF65-F5344CB8AC3E}">
+        <p14:creationId xmlns:p14="http://schemas.microsoft.com/office/powerpoint/2010/main" val="425903064"/>
+      </p:ext>
+    </p:extLst>
+  </p:cSld>
+  <p:clrMap bg1="lt1" tx1="dk1" bg2="lt2" tx2="dk2" accent1="accent1" accent2="accent2" accent3="accent3" accent4="accent4" accent5="accent5" accent6="accent6" hlink="hlink" folHlink="folHlink"/>
+  <p:notesStyle>
+    <a:lvl1pPr marL="0" algn="l" defTabSz="914400" rtl="0" eaLnBrk="1" latinLnBrk="0" hangingPunct="1">
+      <a:defRPr sz="1200" kern="1200">
+        <a:solidFill>
+          <a:schemeClr val="tx1"/>
+        </a:solidFill>
+        <a:latin typeface="+mn-lt"/>
+        <a:ea typeface="+mn-ea"/>
+        <a:cs typeface="+mn-cs"/>
+      </a:defRPr>
+    </a:lvl1pPr>
+    <a:lvl2pPr marL="457200" algn="l" defTabSz="914400" rtl="0" eaLnBrk="1" latinLnBrk="0" hangingPunct="1">
+      <a:defRPr sz="1200" kern="1200">
+        <a:solidFill>
+          <a:schemeClr val="tx1"/>
+        </a:solidFill>
+        <a:latin typeface="+mn-lt"/>
+        <a:ea typeface="+mn-ea"/>
+        <a:cs typeface="+mn-cs"/>
+      </a:defRPr>
+    </a:lvl2pPr>
+    <a:lvl3pPr marL="914400" algn="l" defTabSz="914400" rtl="0" eaLnBrk="1" latinLnBrk="0" hangingPunct="1">
+      <a:defRPr sz="1200" kern="1200">
+        <a:solidFill>
+          <a:schemeClr val="tx1"/>
+        </a:solidFill>
+        <a:latin typeface="+mn-lt"/>
+        <a:ea typeface="+mn-ea"/>
+        <a:cs typeface="+mn-cs"/>
+      </a:defRPr>
+    </a:lvl3pPr>
+    <a:lvl4pPr marL="1371600" algn="l" defTabSz="914400" rtl="0" eaLnBrk="1" latinLnBrk="0" hangingPunct="1">
+      <a:defRPr sz="1200" kern="1200">
+        <a:solidFill>
+          <a:schemeClr val="tx1"/>
+        </a:solidFill>
+        <a:latin typeface="+mn-lt"/>
+        <a:ea typeface="+mn-ea"/>
+        <a:cs typeface="+mn-cs"/>
+      </a:defRPr>
+    </a:lvl4pPr>
+    <a:lvl5pPr marL="1828800" algn="l" defTabSz="914400" rtl="0" eaLnBrk="1" latinLnBrk="0" hangingPunct="1">
+      <a:defRPr sz="1200" kern="1200">
+        <a:solidFill>
+          <a:schemeClr val="tx1"/>
+        </a:solidFill>
+        <a:latin typeface="+mn-lt"/>
+        <a:ea typeface="+mn-ea"/>
+        <a:cs typeface="+mn-cs"/>
+      </a:defRPr>
+    </a:lvl5pPr>
+    <a:lvl6pPr marL="2286000" algn="l" defTabSz="914400" rtl="0" eaLnBrk="1" latinLnBrk="0" hangingPunct="1">
+      <a:defRPr sz="1200" kern="1200">
+        <a:solidFill>
+          <a:schemeClr val="tx1"/>
+        </a:solidFill>
+        <a:latin typeface="+mn-lt"/>
+        <a:ea typeface="+mn-ea"/>
+        <a:cs typeface="+mn-cs"/>
+      </a:defRPr>
+    </a:lvl6pPr>
+    <a:lvl7pPr marL="2743200" algn="l" defTabSz="914400" rtl="0" eaLnBrk="1" latinLnBrk="0" hangingPunct="1">
+      <a:defRPr sz="1200" kern="1200">
+        <a:solidFill>
+          <a:schemeClr val="tx1"/>
+        </a:solidFill>
+        <a:latin typeface="+mn-lt"/>
+        <a:ea typeface="+mn-ea"/>
+        <a:cs typeface="+mn-cs"/>
+      </a:defRPr>
+    </a:lvl7pPr>
+    <a:lvl8pPr marL="3200400" algn="l" defTabSz="914400" rtl="0" eaLnBrk="1" latinLnBrk="0" hangingPunct="1">
+      <a:defRPr sz="1200" kern="1200">
+        <a:solidFill>
+          <a:schemeClr val="tx1"/>
+        </a:solidFill>
+        <a:latin typeface="+mn-lt"/>
+        <a:ea typeface="+mn-ea"/>
+        <a:cs typeface="+mn-cs"/>
+      </a:defRPr>
+    </a:lvl8pPr>
+    <a:lvl9pPr marL="3657600" algn="l" defTabSz="914400" rtl="0" eaLnBrk="1" latinLnBrk="0" hangingPunct="1">
+      <a:defRPr sz="1200" kern="1200">
+        <a:solidFill>
+          <a:schemeClr val="tx1"/>
+        </a:solidFill>
+        <a:latin typeface="+mn-lt"/>
+        <a:ea typeface="+mn-ea"/>
+        <a:cs typeface="+mn-cs"/>
+      </a:defRPr>
+    </a:lvl9pPr>
+  </p:notesStyle>
+</p:notesMaster>
+</file>
+
+<file path=ppt/notesSlides/notesSlide1.xml><?xml version="1.0" encoding="utf-8"?>
+<p:notes xmlns:a="http://schemas.openxmlformats.org/drawingml/2006/main" xmlns:r="http://schemas.openxmlformats.org/officeDocument/2006/relationships" xmlns:p="http://schemas.openxmlformats.org/presentationml/2006/main">
+  <p:cSld>
+    <p:spTree>
+      <p:nvGrpSpPr>
+        <p:cNvPr id="1" name=""/>
+        <p:cNvGrpSpPr/>
+        <p:nvPr/>
+      </p:nvGrpSpPr>
+      <p:grpSpPr>
+        <a:xfrm>
+          <a:off x="0" y="0"/>
+          <a:ext cx="0" cy="0"/>
+          <a:chOff x="0" y="0"/>
+          <a:chExt cx="0" cy="0"/>
+        </a:xfrm>
+      </p:grpSpPr>
+      <p:sp>
+        <p:nvSpPr>
+          <p:cNvPr id="2" name="Slide Image Placeholder 1"/>
+          <p:cNvSpPr>
+            <a:spLocks noGrp="1" noRot="1" noChangeAspect="1"/>
+          </p:cNvSpPr>
+          <p:nvPr>
+            <p:ph type="sldImg"/>
+          </p:nvPr>
+        </p:nvSpPr>
+        <p:spPr/>
+      </p:sp>
+      <p:sp>
+        <p:nvSpPr>
+          <p:cNvPr id="3" name="Notes Placeholder 2"/>
+          <p:cNvSpPr>
+            <a:spLocks noGrp="1"/>
+          </p:cNvSpPr>
+          <p:nvPr>
+            <p:ph type="body" idx="1"/>
+          </p:nvPr>
+        </p:nvSpPr>
+        <p:spPr/>
+        <p:txBody>
+          <a:bodyPr/>
+          <a:lstStyle/>
+          <a:p>
+            <a:r>
+              <a:rPr lang="en-US" dirty="0" err="1"/>
+              <a:t>Ngoài</a:t>
+            </a:r>
+            <a:r>
+              <a:rPr lang="en-US" dirty="0"/>
+              <a:t> </a:t>
+            </a:r>
+            <a:r>
+              <a:rPr lang="en-US" dirty="0" err="1"/>
+              <a:t>ra</a:t>
+            </a:r>
+            <a:r>
+              <a:rPr lang="en-US" dirty="0"/>
+              <a:t> </a:t>
+            </a:r>
+            <a:r>
+              <a:rPr lang="en-US" dirty="0" err="1"/>
+              <a:t>cả</a:t>
+            </a:r>
+            <a:r>
+              <a:rPr lang="en-US" dirty="0"/>
+              <a:t> </a:t>
+            </a:r>
+            <a:r>
+              <a:rPr lang="en-US" dirty="0" err="1"/>
+              <a:t>hạn</a:t>
+            </a:r>
+            <a:r>
+              <a:rPr lang="en-US" dirty="0"/>
+              <a:t> </a:t>
+            </a:r>
+            <a:r>
+              <a:rPr lang="en-US" dirty="0" err="1"/>
+              <a:t>chế</a:t>
+            </a:r>
+            <a:r>
+              <a:rPr lang="en-US" dirty="0"/>
+              <a:t> </a:t>
+            </a:r>
+            <a:r>
+              <a:rPr lang="en-US" dirty="0" err="1"/>
+              <a:t>của</a:t>
+            </a:r>
+            <a:r>
+              <a:rPr lang="en-US" dirty="0"/>
+              <a:t> </a:t>
+            </a:r>
+            <a:r>
+              <a:rPr lang="en-US" dirty="0" err="1"/>
+              <a:t>một</a:t>
+            </a:r>
+            <a:r>
+              <a:rPr lang="en-US" dirty="0"/>
+              <a:t> </a:t>
+            </a:r>
+            <a:r>
+              <a:rPr lang="en-US" dirty="0" err="1"/>
+              <a:t>số</a:t>
+            </a:r>
+            <a:r>
+              <a:rPr lang="en-US" dirty="0"/>
+              <a:t> </a:t>
+            </a:r>
+            <a:r>
+              <a:rPr lang="en-US" dirty="0" err="1"/>
+              <a:t>cách</a:t>
+            </a:r>
+            <a:r>
+              <a:rPr lang="en-US" dirty="0"/>
+              <a:t> </a:t>
+            </a:r>
+            <a:r>
+              <a:rPr lang="en-US" dirty="0" err="1"/>
+              <a:t>đo</a:t>
+            </a:r>
+            <a:r>
+              <a:rPr lang="en-US" dirty="0"/>
+              <a:t> </a:t>
+            </a:r>
+            <a:r>
+              <a:rPr lang="en-US" dirty="0" err="1"/>
+              <a:t>không</a:t>
+            </a:r>
+            <a:r>
+              <a:rPr lang="en-US" dirty="0"/>
+              <a:t> </a:t>
+            </a:r>
+            <a:r>
+              <a:rPr lang="en-US" dirty="0" err="1"/>
+              <a:t>tiếp</a:t>
+            </a:r>
+            <a:r>
+              <a:rPr lang="en-US" dirty="0"/>
+              <a:t> </a:t>
+            </a:r>
+            <a:r>
+              <a:rPr lang="en-US" dirty="0" err="1"/>
+              <a:t>xúc</a:t>
+            </a:r>
+            <a:r>
+              <a:rPr lang="en-US" dirty="0"/>
+              <a:t> </a:t>
+            </a:r>
+            <a:r>
+              <a:rPr lang="en-US" dirty="0" err="1"/>
+              <a:t>cũ</a:t>
+            </a:r>
+            <a:r>
+              <a:rPr lang="en-US" dirty="0"/>
+              <a:t> </a:t>
+            </a:r>
+            <a:r>
+              <a:rPr lang="en-US" dirty="0" err="1"/>
+              <a:t>chưa</a:t>
+            </a:r>
+            <a:r>
+              <a:rPr lang="en-US" dirty="0"/>
+              <a:t> </a:t>
+            </a:r>
+            <a:r>
+              <a:rPr lang="en-US" dirty="0" err="1"/>
+              <a:t>đo</a:t>
+            </a:r>
+            <a:r>
+              <a:rPr lang="en-US" dirty="0"/>
+              <a:t> </a:t>
+            </a:r>
+            <a:r>
+              <a:rPr lang="en-US" dirty="0" err="1"/>
+              <a:t>được</a:t>
+            </a:r>
+            <a:r>
+              <a:rPr lang="en-US" dirty="0"/>
+              <a:t> </a:t>
+            </a:r>
+            <a:r>
+              <a:rPr lang="en-US" dirty="0" err="1"/>
+              <a:t>chiều</a:t>
+            </a:r>
+            <a:r>
+              <a:rPr lang="en-US" dirty="0"/>
+              <a:t> </a:t>
+            </a:r>
+            <a:r>
+              <a:rPr lang="en-US" dirty="0" err="1"/>
+              <a:t>cao</a:t>
+            </a:r>
+            <a:r>
+              <a:rPr lang="en-US" dirty="0"/>
+              <a:t> </a:t>
+            </a:r>
+            <a:r>
+              <a:rPr lang="en-US" dirty="0" err="1"/>
+              <a:t>khi</a:t>
+            </a:r>
+            <a:r>
+              <a:rPr lang="en-US" dirty="0"/>
+              <a:t> ở </a:t>
+            </a:r>
+            <a:r>
+              <a:rPr lang="en-US" dirty="0" err="1"/>
+              <a:t>nhiều</a:t>
+            </a:r>
+            <a:r>
+              <a:rPr lang="en-US" dirty="0"/>
+              <a:t> </a:t>
+            </a:r>
+            <a:r>
+              <a:rPr lang="en-US" dirty="0" err="1"/>
+              <a:t>tư</a:t>
+            </a:r>
+            <a:r>
+              <a:rPr lang="en-US" dirty="0"/>
+              <a:t> </a:t>
+            </a:r>
+            <a:r>
+              <a:rPr lang="en-US" dirty="0" err="1"/>
+              <a:t>thế</a:t>
+            </a:r>
+            <a:r>
+              <a:rPr lang="en-US" dirty="0"/>
+              <a:t> </a:t>
+            </a:r>
+            <a:r>
+              <a:rPr lang="en-US" dirty="0" err="1"/>
+              <a:t>khác</a:t>
+            </a:r>
+            <a:r>
+              <a:rPr lang="en-US" dirty="0"/>
+              <a:t> </a:t>
+            </a:r>
+            <a:r>
+              <a:rPr lang="en-US" dirty="0" err="1"/>
+              <a:t>nhau</a:t>
+            </a:r>
+            <a:endParaRPr lang="en-US" dirty="0"/>
+          </a:p>
+        </p:txBody>
+      </p:sp>
+      <p:sp>
+        <p:nvSpPr>
+          <p:cNvPr id="4" name="Slide Number Placeholder 3"/>
+          <p:cNvSpPr>
+            <a:spLocks noGrp="1"/>
+          </p:cNvSpPr>
+          <p:nvPr>
+            <p:ph type="sldNum" sz="quarter" idx="5"/>
+          </p:nvPr>
+        </p:nvSpPr>
+        <p:spPr/>
+        <p:txBody>
+          <a:bodyPr/>
+          <a:lstStyle/>
+          <a:p>
+            <a:fld id="{89963F0C-BEE8-4C07-A373-1E838A12F5A3}" type="slidenum">
+              <a:rPr lang="en-US" smtClean="0"/>
+              <a:t>5</a:t>
+            </a:fld>
+            <a:endParaRPr lang="en-US"/>
+          </a:p>
+        </p:txBody>
+      </p:sp>
+    </p:spTree>
+    <p:extLst>
+      <p:ext uri="{BB962C8B-B14F-4D97-AF65-F5344CB8AC3E}">
+        <p14:creationId xmlns:p14="http://schemas.microsoft.com/office/powerpoint/2010/main" val="1006020337"/>
+      </p:ext>
+    </p:extLst>
+  </p:cSld>
+  <p:clrMapOvr>
+    <a:masterClrMapping/>
+  </p:clrMapOvr>
+</p:notes>
+</file>
+
+<file path=ppt/notesSlides/notesSlide2.xml><?xml version="1.0" encoding="utf-8"?>
+<p:notes xmlns:a="http://schemas.openxmlformats.org/drawingml/2006/main" xmlns:r="http://schemas.openxmlformats.org/officeDocument/2006/relationships" xmlns:p="http://schemas.openxmlformats.org/presentationml/2006/main">
+  <p:cSld>
+    <p:spTree>
+      <p:nvGrpSpPr>
+        <p:cNvPr id="1" name=""/>
+        <p:cNvGrpSpPr/>
+        <p:nvPr/>
+      </p:nvGrpSpPr>
+      <p:grpSpPr>
+        <a:xfrm>
+          <a:off x="0" y="0"/>
+          <a:ext cx="0" cy="0"/>
+          <a:chOff x="0" y="0"/>
+          <a:chExt cx="0" cy="0"/>
+        </a:xfrm>
+      </p:grpSpPr>
+      <p:sp>
+        <p:nvSpPr>
+          <p:cNvPr id="2" name="Slide Image Placeholder 1"/>
+          <p:cNvSpPr>
+            <a:spLocks noGrp="1" noRot="1" noChangeAspect="1"/>
+          </p:cNvSpPr>
+          <p:nvPr>
+            <p:ph type="sldImg"/>
+          </p:nvPr>
+        </p:nvSpPr>
+        <p:spPr/>
+      </p:sp>
+      <p:sp>
+        <p:nvSpPr>
+          <p:cNvPr id="3" name="Notes Placeholder 2"/>
+          <p:cNvSpPr>
+            <a:spLocks noGrp="1"/>
+          </p:cNvSpPr>
+          <p:nvPr>
+            <p:ph type="body" idx="1"/>
+          </p:nvPr>
+        </p:nvSpPr>
+        <p:spPr/>
+        <p:txBody>
+          <a:bodyPr/>
+          <a:lstStyle/>
+          <a:p>
+            <a:r>
+              <a:rPr lang="vi-VN" sz="1800" dirty="0">
+                <a:effectLst/>
+                <a:latin typeface="Times New Roman" panose="02020603050405020304" pitchFamily="18" charset="0"/>
+                <a:ea typeface="Calibri" panose="020F0502020204030204" pitchFamily="34" charset="0"/>
+              </a:rPr>
+              <a:t>Dự đoán tư thế là một nhiệm vụ trong lĩnh vực thị giác máy tính, cho phép hệ thống phát hiện và hiểu được tư thế cơ thể của con người trong các </a:t>
+            </a:r>
+            <a:r>
+              <a:rPr lang="vi-VN" sz="1800" dirty="0" err="1">
+                <a:effectLst/>
+                <a:latin typeface="Times New Roman" panose="02020603050405020304" pitchFamily="18" charset="0"/>
+                <a:ea typeface="Calibri" panose="020F0502020204030204" pitchFamily="34" charset="0"/>
+              </a:rPr>
+              <a:t>video</a:t>
+            </a:r>
+            <a:r>
+              <a:rPr lang="vi-VN" sz="1800" dirty="0">
+                <a:effectLst/>
+                <a:latin typeface="Times New Roman" panose="02020603050405020304" pitchFamily="18" charset="0"/>
+                <a:ea typeface="Calibri" panose="020F0502020204030204" pitchFamily="34" charset="0"/>
+              </a:rPr>
+              <a:t> và hình ảnh</a:t>
+            </a:r>
+            <a:r>
+              <a:rPr lang="en-US" sz="1800" dirty="0">
+                <a:effectLst/>
+                <a:latin typeface="Times New Roman" panose="02020603050405020304" pitchFamily="18" charset="0"/>
+                <a:ea typeface="Calibri" panose="020F0502020204030204" pitchFamily="34" charset="0"/>
+              </a:rPr>
+              <a:t>, </a:t>
+            </a:r>
+            <a:r>
+              <a:rPr lang="en-US" sz="1800" dirty="0" err="1">
+                <a:effectLst/>
+                <a:latin typeface="Times New Roman" panose="02020603050405020304" pitchFamily="18" charset="0"/>
+                <a:ea typeface="Calibri" panose="020F0502020204030204" pitchFamily="34" charset="0"/>
+              </a:rPr>
+              <a:t>phát</a:t>
+            </a:r>
+            <a:r>
+              <a:rPr lang="en-US" sz="1800" dirty="0">
+                <a:effectLst/>
+                <a:latin typeface="Times New Roman" panose="02020603050405020304" pitchFamily="18" charset="0"/>
+                <a:ea typeface="Calibri" panose="020F0502020204030204" pitchFamily="34" charset="0"/>
+              </a:rPr>
+              <a:t> </a:t>
+            </a:r>
+            <a:r>
+              <a:rPr lang="en-US" sz="1800" dirty="0" err="1">
+                <a:effectLst/>
+                <a:latin typeface="Times New Roman" panose="02020603050405020304" pitchFamily="18" charset="0"/>
+                <a:ea typeface="Calibri" panose="020F0502020204030204" pitchFamily="34" charset="0"/>
+              </a:rPr>
+              <a:t>hiện</a:t>
+            </a:r>
+            <a:r>
+              <a:rPr lang="en-US" sz="1800" dirty="0">
+                <a:effectLst/>
+                <a:latin typeface="Times New Roman" panose="02020603050405020304" pitchFamily="18" charset="0"/>
+                <a:ea typeface="Calibri" panose="020F0502020204030204" pitchFamily="34" charset="0"/>
+              </a:rPr>
+              <a:t> </a:t>
+            </a:r>
+            <a:r>
+              <a:rPr lang="en-US" sz="1800" dirty="0" err="1">
+                <a:effectLst/>
+                <a:latin typeface="Times New Roman" panose="02020603050405020304" pitchFamily="18" charset="0"/>
+                <a:ea typeface="Calibri" panose="020F0502020204030204" pitchFamily="34" charset="0"/>
+              </a:rPr>
+              <a:t>các</a:t>
+            </a:r>
+            <a:r>
+              <a:rPr lang="en-US" sz="1800" dirty="0">
+                <a:effectLst/>
+                <a:latin typeface="Times New Roman" panose="02020603050405020304" pitchFamily="18" charset="0"/>
+                <a:ea typeface="Calibri" panose="020F0502020204030204" pitchFamily="34" charset="0"/>
+              </a:rPr>
+              <a:t> </a:t>
+            </a:r>
+            <a:r>
+              <a:rPr lang="en-US" sz="1800" dirty="0" err="1">
+                <a:effectLst/>
+                <a:latin typeface="Times New Roman" panose="02020603050405020304" pitchFamily="18" charset="0"/>
+                <a:ea typeface="Calibri" panose="020F0502020204030204" pitchFamily="34" charset="0"/>
+              </a:rPr>
+              <a:t>mốc</a:t>
+            </a:r>
+            <a:r>
+              <a:rPr lang="en-US" sz="1800" dirty="0">
+                <a:effectLst/>
+                <a:latin typeface="Times New Roman" panose="02020603050405020304" pitchFamily="18" charset="0"/>
+                <a:ea typeface="Calibri" panose="020F0502020204030204" pitchFamily="34" charset="0"/>
+              </a:rPr>
+              <a:t> </a:t>
+            </a:r>
+            <a:r>
+              <a:rPr lang="en-US" sz="1800" dirty="0" err="1">
+                <a:effectLst/>
+                <a:latin typeface="Times New Roman" panose="02020603050405020304" pitchFamily="18" charset="0"/>
+                <a:ea typeface="Calibri" panose="020F0502020204030204" pitchFamily="34" charset="0"/>
+              </a:rPr>
+              <a:t>trên</a:t>
+            </a:r>
+            <a:r>
+              <a:rPr lang="en-US" sz="1800" dirty="0">
+                <a:effectLst/>
+                <a:latin typeface="Times New Roman" panose="02020603050405020304" pitchFamily="18" charset="0"/>
+                <a:ea typeface="Calibri" panose="020F0502020204030204" pitchFamily="34" charset="0"/>
+              </a:rPr>
+              <a:t> </a:t>
+            </a:r>
+            <a:r>
+              <a:rPr lang="en-US" sz="1800" dirty="0" err="1">
+                <a:effectLst/>
+                <a:latin typeface="Times New Roman" panose="02020603050405020304" pitchFamily="18" charset="0"/>
+                <a:ea typeface="Calibri" panose="020F0502020204030204" pitchFamily="34" charset="0"/>
+              </a:rPr>
+              <a:t>cơ</a:t>
+            </a:r>
+            <a:r>
+              <a:rPr lang="en-US" sz="1800" dirty="0">
+                <a:effectLst/>
+                <a:latin typeface="Times New Roman" panose="02020603050405020304" pitchFamily="18" charset="0"/>
+                <a:ea typeface="Calibri" panose="020F0502020204030204" pitchFamily="34" charset="0"/>
+              </a:rPr>
+              <a:t> </a:t>
+            </a:r>
+            <a:r>
+              <a:rPr lang="en-US" sz="1800" dirty="0" err="1">
+                <a:effectLst/>
+                <a:latin typeface="Times New Roman" panose="02020603050405020304" pitchFamily="18" charset="0"/>
+                <a:ea typeface="Calibri" panose="020F0502020204030204" pitchFamily="34" charset="0"/>
+              </a:rPr>
+              <a:t>thể</a:t>
+            </a:r>
+            <a:r>
+              <a:rPr lang="en-US" sz="1800" dirty="0">
+                <a:effectLst/>
+                <a:latin typeface="Times New Roman" panose="02020603050405020304" pitchFamily="18" charset="0"/>
+                <a:ea typeface="Calibri" panose="020F0502020204030204" pitchFamily="34" charset="0"/>
+              </a:rPr>
+              <a:t> </a:t>
+            </a:r>
+            <a:r>
+              <a:rPr lang="en-US" sz="1800" dirty="0" err="1">
+                <a:effectLst/>
+                <a:latin typeface="Times New Roman" panose="02020603050405020304" pitchFamily="18" charset="0"/>
+                <a:ea typeface="Calibri" panose="020F0502020204030204" pitchFamily="34" charset="0"/>
+              </a:rPr>
+              <a:t>người</a:t>
+            </a:r>
+            <a:r>
+              <a:rPr lang="vi-VN" sz="1800" dirty="0">
+                <a:effectLst/>
+                <a:latin typeface="Times New Roman" panose="02020603050405020304" pitchFamily="18" charset="0"/>
+                <a:ea typeface="Calibri" panose="020F0502020204030204" pitchFamily="34" charset="0"/>
+              </a:rPr>
+              <a:t>.</a:t>
+            </a:r>
+            <a:endParaRPr lang="en-US" dirty="0"/>
+          </a:p>
+        </p:txBody>
+      </p:sp>
+      <p:sp>
+        <p:nvSpPr>
+          <p:cNvPr id="4" name="Slide Number Placeholder 3"/>
+          <p:cNvSpPr>
+            <a:spLocks noGrp="1"/>
+          </p:cNvSpPr>
+          <p:nvPr>
+            <p:ph type="sldNum" sz="quarter" idx="5"/>
+          </p:nvPr>
+        </p:nvSpPr>
+        <p:spPr/>
+        <p:txBody>
+          <a:bodyPr/>
+          <a:lstStyle/>
+          <a:p>
+            <a:fld id="{89963F0C-BEE8-4C07-A373-1E838A12F5A3}" type="slidenum">
+              <a:rPr lang="en-US" smtClean="0"/>
+              <a:t>6</a:t>
+            </a:fld>
+            <a:endParaRPr lang="en-US"/>
+          </a:p>
+        </p:txBody>
+      </p:sp>
+    </p:spTree>
+    <p:extLst>
+      <p:ext uri="{BB962C8B-B14F-4D97-AF65-F5344CB8AC3E}">
+        <p14:creationId xmlns:p14="http://schemas.microsoft.com/office/powerpoint/2010/main" val="2471494699"/>
+      </p:ext>
+    </p:extLst>
+  </p:cSld>
+  <p:clrMapOvr>
+    <a:masterClrMapping/>
+  </p:clrMapOvr>
+</p:notes>
+</file>
+
+<file path=ppt/notesSlides/notesSlide3.xml><?xml version="1.0" encoding="utf-8"?>
+<p:notes xmlns:a="http://schemas.openxmlformats.org/drawingml/2006/main" xmlns:r="http://schemas.openxmlformats.org/officeDocument/2006/relationships" xmlns:p="http://schemas.openxmlformats.org/presentationml/2006/main">
+  <p:cSld>
+    <p:spTree>
+      <p:nvGrpSpPr>
+        <p:cNvPr id="1" name=""/>
+        <p:cNvGrpSpPr/>
+        <p:nvPr/>
+      </p:nvGrpSpPr>
+      <p:grpSpPr>
+        <a:xfrm>
+          <a:off x="0" y="0"/>
+          <a:ext cx="0" cy="0"/>
+          <a:chOff x="0" y="0"/>
+          <a:chExt cx="0" cy="0"/>
+        </a:xfrm>
+      </p:grpSpPr>
+      <p:sp>
+        <p:nvSpPr>
+          <p:cNvPr id="2" name="Slide Image Placeholder 1"/>
+          <p:cNvSpPr>
+            <a:spLocks noGrp="1" noRot="1" noChangeAspect="1"/>
+          </p:cNvSpPr>
+          <p:nvPr>
+            <p:ph type="sldImg"/>
+          </p:nvPr>
+        </p:nvSpPr>
+        <p:spPr/>
+      </p:sp>
+      <p:sp>
+        <p:nvSpPr>
+          <p:cNvPr id="3" name="Notes Placeholder 2"/>
+          <p:cNvSpPr>
+            <a:spLocks noGrp="1"/>
+          </p:cNvSpPr>
+          <p:nvPr>
+            <p:ph type="body" idx="1"/>
+          </p:nvPr>
+        </p:nvSpPr>
+        <p:spPr/>
+        <p:txBody>
+          <a:bodyPr/>
+          <a:lstStyle/>
+          <a:p>
+            <a:r>
+              <a:rPr lang="vi-VN" sz="1800" dirty="0">
+                <a:effectLst/>
+                <a:latin typeface="Times New Roman" panose="02020603050405020304" pitchFamily="18" charset="0"/>
+                <a:ea typeface="Calibri" panose="020F0502020204030204" pitchFamily="34" charset="0"/>
+              </a:rPr>
+              <a:t>Trong hồi quy tuyến tính, mục tiêu là xây dựng một mô hình để dự đoán giá trị đầu ra dựa trên các biến đầu vào. Mô hình này giả định rằng mối quan hệ giữa các biến đầu vào và đầu ra là tuyến tính. Cụ thể, trong hồi quy tuyến tính, chúng ta cố gắng tạo ra đường thẳng (hoặc siêu mặt </a:t>
+            </a:r>
+            <a:r>
+              <a:rPr lang="vi-VN" sz="1800" dirty="0" err="1">
+                <a:effectLst/>
+                <a:latin typeface="Times New Roman" panose="02020603050405020304" pitchFamily="18" charset="0"/>
+                <a:ea typeface="Calibri" panose="020F0502020204030204" pitchFamily="34" charset="0"/>
+              </a:rPr>
+              <a:t>phẳng</a:t>
+            </a:r>
+            <a:r>
+              <a:rPr lang="vi-VN" sz="1800" dirty="0">
+                <a:effectLst/>
+                <a:latin typeface="Times New Roman" panose="02020603050405020304" pitchFamily="18" charset="0"/>
+                <a:ea typeface="Calibri" panose="020F0502020204030204" pitchFamily="34" charset="0"/>
+              </a:rPr>
+              <a:t> trong không gian có nhiều chiều hơn) sao cho nó trùng với dữ liệu đầu vào càng chính xác càng tốt. Đường thẳng này được gọi là "đường hồi quy" và được định nghĩa bởi các hệ số và độ dốc. Mục tiêu của hồi quy tuyến tính là tìm các giá trị của các hệ số sao cho đường hồi quy này có thể dự đoán giá trị đầu ra một cách chính xác nhất dựa trên dữ liệu đầu vào đã cho.</a:t>
+            </a:r>
+            <a:endParaRPr lang="en-US" dirty="0"/>
+          </a:p>
+        </p:txBody>
+      </p:sp>
+      <p:sp>
+        <p:nvSpPr>
+          <p:cNvPr id="4" name="Slide Number Placeholder 3"/>
+          <p:cNvSpPr>
+            <a:spLocks noGrp="1"/>
+          </p:cNvSpPr>
+          <p:nvPr>
+            <p:ph type="sldNum" sz="quarter" idx="5"/>
+          </p:nvPr>
+        </p:nvSpPr>
+        <p:spPr/>
+        <p:txBody>
+          <a:bodyPr/>
+          <a:lstStyle/>
+          <a:p>
+            <a:fld id="{89963F0C-BEE8-4C07-A373-1E838A12F5A3}" type="slidenum">
+              <a:rPr lang="en-US" smtClean="0"/>
+              <a:t>7</a:t>
+            </a:fld>
+            <a:endParaRPr lang="en-US"/>
+          </a:p>
+        </p:txBody>
+      </p:sp>
+    </p:spTree>
+    <p:extLst>
+      <p:ext uri="{BB962C8B-B14F-4D97-AF65-F5344CB8AC3E}">
+        <p14:creationId xmlns:p14="http://schemas.microsoft.com/office/powerpoint/2010/main" val="1449728580"/>
+      </p:ext>
+    </p:extLst>
+  </p:cSld>
+  <p:clrMapOvr>
+    <a:masterClrMapping/>
+  </p:clrMapOvr>
+</p:notes>
+</file>
+
+<file path=ppt/notesSlides/notesSlide4.xml><?xml version="1.0" encoding="utf-8"?>
+<p:notes xmlns:a="http://schemas.openxmlformats.org/drawingml/2006/main" xmlns:r="http://schemas.openxmlformats.org/officeDocument/2006/relationships" xmlns:p="http://schemas.openxmlformats.org/presentationml/2006/main">
+  <p:cSld>
+    <p:spTree>
+      <p:nvGrpSpPr>
+        <p:cNvPr id="1" name=""/>
+        <p:cNvGrpSpPr/>
+        <p:nvPr/>
+      </p:nvGrpSpPr>
+      <p:grpSpPr>
+        <a:xfrm>
+          <a:off x="0" y="0"/>
+          <a:ext cx="0" cy="0"/>
+          <a:chOff x="0" y="0"/>
+          <a:chExt cx="0" cy="0"/>
+        </a:xfrm>
+      </p:grpSpPr>
+      <p:sp>
+        <p:nvSpPr>
+          <p:cNvPr id="2" name="Slide Image Placeholder 1"/>
+          <p:cNvSpPr>
+            <a:spLocks noGrp="1" noRot="1" noChangeAspect="1"/>
+          </p:cNvSpPr>
+          <p:nvPr>
+            <p:ph type="sldImg"/>
+          </p:nvPr>
+        </p:nvSpPr>
+        <p:spPr/>
+      </p:sp>
+      <mc:AlternateContent xmlns:mc="http://schemas.openxmlformats.org/markup-compatibility/2006" xmlns:a14="http://schemas.microsoft.com/office/drawing/2010/main">
+        <mc:Choice Requires="a14">
+          <p:sp>
+            <p:nvSpPr>
+              <p:cNvPr id="3" name="Notes Placeholder 2"/>
+              <p:cNvSpPr>
+                <a:spLocks noGrp="1"/>
+              </p:cNvSpPr>
+              <p:nvPr>
+                <p:ph type="body" idx="1"/>
+              </p:nvPr>
+            </p:nvSpPr>
+            <p:spPr/>
+            <p:txBody>
+              <a:bodyPr/>
+              <a:lstStyle/>
+              <a:p>
+                <a:pPr marL="0" marR="0" lvl="0" indent="0" algn="l" defTabSz="914400" rtl="0" eaLnBrk="1" fontAlgn="auto" latinLnBrk="0" hangingPunct="1">
+                  <a:lnSpc>
+                    <a:spcPct val="100000"/>
+                  </a:lnSpc>
+                  <a:spcBef>
+                    <a:spcPts val="0"/>
+                  </a:spcBef>
+                  <a:spcAft>
+                    <a:spcPts val="0"/>
+                  </a:spcAft>
+                  <a:buClrTx/>
+                  <a:buSzTx/>
+                  <a:buFontTx/>
+                  <a:buNone/>
+                  <a:tabLst/>
+                  <a:defRPr/>
+                </a:pPr>
+                <a:endParaRPr lang="en-US" sz="1800" dirty="0">
+                  <a:effectLst/>
+                  <a:latin typeface="Times New Roman" panose="02020603050405020304" pitchFamily="18" charset="0"/>
+                  <a:ea typeface="Calibri" panose="020F0502020204030204" pitchFamily="34" charset="0"/>
+                </a:endParaRPr>
+              </a:p>
+              <a:p>
+                <a:r>
+                  <a:rPr lang="vi-VN" sz="1200" kern="1200" dirty="0">
+                    <a:solidFill>
+                      <a:schemeClr val="tx1"/>
+                    </a:solidFill>
+                    <a:effectLst/>
+                    <a:latin typeface="+mn-lt"/>
+                    <a:ea typeface="+mn-ea"/>
+                    <a:cs typeface="+mn-cs"/>
+                  </a:rPr>
+                  <a:t>Tiến hành thu thập trên 100 mẫu dữ liệu là hình ảnh cơ thể người được thiết lập theo đúng các thông số đề ra, đi kèm với chiều cao thực tế được đo chính xác khi đứng thẳng và không đi giày, dép của đối tượng tương ứng.</a:t>
+                </a:r>
+                <a:endParaRPr lang="en-US" sz="1200" kern="1200" dirty="0">
+                  <a:solidFill>
+                    <a:schemeClr val="tx1"/>
+                  </a:solidFill>
+                  <a:effectLst/>
+                  <a:latin typeface="+mn-lt"/>
+                  <a:ea typeface="+mn-ea"/>
+                  <a:cs typeface="+mn-cs"/>
+                </a:endParaRPr>
+              </a:p>
+              <a:p>
+                <a:r>
+                  <a:rPr lang="vi-VN" sz="1200" kern="1200" dirty="0">
+                    <a:solidFill>
+                      <a:schemeClr val="tx1"/>
+                    </a:solidFill>
+                    <a:effectLst/>
+                    <a:latin typeface="+mn-lt"/>
+                    <a:ea typeface="+mn-ea"/>
+                    <a:cs typeface="+mn-cs"/>
+                  </a:rPr>
+                  <a:t>Đầu ra của bước này là các tọa độ các mốc cơ thể của các đối tượng trong các ảnh thu thập được.</a:t>
+                </a:r>
+                <a:endParaRPr lang="en-US" sz="1200" kern="1200" dirty="0">
+                  <a:solidFill>
+                    <a:schemeClr val="tx1"/>
+                  </a:solidFill>
+                  <a:effectLst/>
+                  <a:latin typeface="+mn-lt"/>
+                  <a:ea typeface="+mn-ea"/>
+                  <a:cs typeface="+mn-cs"/>
+                </a:endParaRPr>
+              </a:p>
+              <a:p>
+                <a:pPr marL="0" marR="0" lvl="0" indent="0" algn="l" defTabSz="914400" rtl="0" eaLnBrk="1" fontAlgn="auto" latinLnBrk="0" hangingPunct="1">
+                  <a:lnSpc>
+                    <a:spcPct val="100000"/>
+                  </a:lnSpc>
+                  <a:spcBef>
+                    <a:spcPts val="0"/>
+                  </a:spcBef>
+                  <a:spcAft>
+                    <a:spcPts val="0"/>
+                  </a:spcAft>
+                  <a:buClrTx/>
+                  <a:buSzTx/>
+                  <a:buFontTx/>
+                  <a:buNone/>
+                  <a:tabLst/>
+                  <a:defRPr/>
+                </a:pPr>
+                <a:r>
+                  <a:rPr lang="vi-VN" sz="1800" dirty="0">
+                    <a:effectLst/>
+                    <a:latin typeface="Times New Roman" panose="02020603050405020304" pitchFamily="18" charset="0"/>
+                    <a:ea typeface="Calibri" panose="020F0502020204030204" pitchFamily="34" charset="0"/>
+                  </a:rPr>
+                  <a:t>Trong khuôn khổ nghiên cứu và thực hiện sản phẩm này, khi thu tập dữ liệu, em cố định chiều cao của </a:t>
+                </a:r>
+                <a:r>
+                  <a:rPr lang="vi-VN" sz="1800" dirty="0" err="1">
+                    <a:effectLst/>
+                    <a:latin typeface="Times New Roman" panose="02020603050405020304" pitchFamily="18" charset="0"/>
+                    <a:ea typeface="Calibri" panose="020F0502020204030204" pitchFamily="34" charset="0"/>
+                  </a:rPr>
+                  <a:t>camera</a:t>
+                </a:r>
+                <a:r>
+                  <a:rPr lang="vi-VN" sz="1800" dirty="0">
+                    <a:effectLst/>
+                    <a:latin typeface="Times New Roman" panose="02020603050405020304" pitchFamily="18" charset="0"/>
+                    <a:ea typeface="Calibri" panose="020F0502020204030204" pitchFamily="34" charset="0"/>
+                  </a:rPr>
+                  <a:t> </a:t>
+                </a:r>
+                <a14:m>
+                  <m:oMath xmlns:m="http://schemas.openxmlformats.org/officeDocument/2006/math">
+                    <m:sSub>
+                      <m:sSubPr>
+                        <m:ctrlPr>
+                          <a:rPr lang="en-US" sz="1800" i="1">
+                            <a:effectLst/>
+                            <a:latin typeface="Cambria Math" panose="02040503050406030204" pitchFamily="18" charset="0"/>
+                            <a:ea typeface="Calibri" panose="020F0502020204030204" pitchFamily="34" charset="0"/>
+                          </a:rPr>
+                        </m:ctrlPr>
+                      </m:sSubPr>
+                      <m:e>
+                        <m:r>
+                          <a:rPr lang="vi-VN" sz="1800" i="1">
+                            <a:effectLst/>
+                            <a:latin typeface="Cambria Math" panose="02040503050406030204" pitchFamily="18" charset="0"/>
+                            <a:ea typeface="Calibri" panose="020F0502020204030204" pitchFamily="34" charset="0"/>
+                          </a:rPr>
+                          <m:t>h</m:t>
+                        </m:r>
+                      </m:e>
+                      <m:sub>
+                        <m:r>
+                          <a:rPr lang="vi-VN" sz="1800" i="1">
+                            <a:effectLst/>
+                            <a:latin typeface="Cambria Math" panose="02040503050406030204" pitchFamily="18" charset="0"/>
+                            <a:ea typeface="Calibri" panose="020F0502020204030204" pitchFamily="34" charset="0"/>
+                          </a:rPr>
+                          <m:t>𝑐</m:t>
+                        </m:r>
+                      </m:sub>
+                    </m:sSub>
+                    <m:r>
+                      <a:rPr lang="vi-VN" sz="1800" i="1">
+                        <a:effectLst/>
+                        <a:latin typeface="Cambria Math" panose="02040503050406030204" pitchFamily="18" charset="0"/>
+                        <a:ea typeface="Calibri" panose="020F0502020204030204" pitchFamily="34" charset="0"/>
+                      </a:rPr>
+                      <m:t>=92 </m:t>
+                    </m:r>
+                    <m:r>
+                      <a:rPr lang="vi-VN" sz="1800" i="1">
+                        <a:effectLst/>
+                        <a:latin typeface="Cambria Math" panose="02040503050406030204" pitchFamily="18" charset="0"/>
+                        <a:ea typeface="Calibri" panose="020F0502020204030204" pitchFamily="34" charset="0"/>
+                      </a:rPr>
+                      <m:t>𝑐𝑚</m:t>
+                    </m:r>
+                  </m:oMath>
+                </a14:m>
+                <a:r>
+                  <a:rPr lang="vi-VN" sz="1800" dirty="0">
+                    <a:effectLst/>
+                    <a:latin typeface="Times New Roman" panose="02020603050405020304" pitchFamily="18" charset="0"/>
+                    <a:ea typeface="Calibri" panose="020F0502020204030204" pitchFamily="34" charset="0"/>
+                  </a:rPr>
+                  <a:t> và khoảng cách từ </a:t>
+                </a:r>
+                <a:r>
+                  <a:rPr lang="vi-VN" sz="1800" dirty="0" err="1">
+                    <a:effectLst/>
+                    <a:latin typeface="Times New Roman" panose="02020603050405020304" pitchFamily="18" charset="0"/>
+                    <a:ea typeface="Calibri" panose="020F0502020204030204" pitchFamily="34" charset="0"/>
+                  </a:rPr>
+                  <a:t>camera</a:t>
+                </a:r>
+                <a:r>
+                  <a:rPr lang="vi-VN" sz="1800" dirty="0">
+                    <a:effectLst/>
+                    <a:latin typeface="Times New Roman" panose="02020603050405020304" pitchFamily="18" charset="0"/>
+                    <a:ea typeface="Calibri" panose="020F0502020204030204" pitchFamily="34" charset="0"/>
+                  </a:rPr>
+                  <a:t> đến vị trí cơ thể người </a:t>
+                </a:r>
+                <a14:m>
+                  <m:oMath xmlns:m="http://schemas.openxmlformats.org/officeDocument/2006/math">
+                    <m:r>
+                      <a:rPr lang="vi-VN" sz="1800" i="1">
+                        <a:effectLst/>
+                        <a:latin typeface="Cambria Math" panose="02040503050406030204" pitchFamily="18" charset="0"/>
+                        <a:ea typeface="Calibri" panose="020F0502020204030204" pitchFamily="34" charset="0"/>
+                      </a:rPr>
+                      <m:t>𝑑</m:t>
+                    </m:r>
+                    <m:r>
+                      <a:rPr lang="vi-VN" sz="1800" i="1">
+                        <a:effectLst/>
+                        <a:latin typeface="Cambria Math" panose="02040503050406030204" pitchFamily="18" charset="0"/>
+                        <a:ea typeface="Calibri" panose="020F0502020204030204" pitchFamily="34" charset="0"/>
+                      </a:rPr>
+                      <m:t>=188.5 </m:t>
+                    </m:r>
+                    <m:r>
+                      <a:rPr lang="vi-VN" sz="1800" i="1">
+                        <a:effectLst/>
+                        <a:latin typeface="Cambria Math" panose="02040503050406030204" pitchFamily="18" charset="0"/>
+                        <a:ea typeface="Calibri" panose="020F0502020204030204" pitchFamily="34" charset="0"/>
+                      </a:rPr>
+                      <m:t>𝑐𝑚</m:t>
+                    </m:r>
+                  </m:oMath>
+                </a14:m>
+                <a:r>
+                  <a:rPr lang="vi-VN" sz="1800" dirty="0">
+                    <a:effectLst/>
+                    <a:latin typeface="Times New Roman" panose="02020603050405020304" pitchFamily="18" charset="0"/>
+                    <a:ea typeface="Calibri" panose="020F0502020204030204" pitchFamily="34" charset="0"/>
+                  </a:rPr>
+                  <a:t>.</a:t>
+                </a:r>
+                <a:endParaRPr lang="en-US" sz="1800" dirty="0">
+                  <a:effectLst/>
+                  <a:latin typeface="Times New Roman" panose="02020603050405020304" pitchFamily="18" charset="0"/>
+                  <a:ea typeface="Calibri" panose="020F0502020204030204" pitchFamily="34" charset="0"/>
+                </a:endParaRPr>
+              </a:p>
+              <a:p>
+                <a:endParaRPr lang="en-US" dirty="0"/>
+              </a:p>
+            </p:txBody>
+          </p:sp>
+        </mc:Choice>
+        <mc:Fallback xmlns="">
+          <p:sp>
+            <p:nvSpPr>
+              <p:cNvPr id="3" name="Notes Placeholder 2"/>
+              <p:cNvSpPr>
+                <a:spLocks noGrp="1"/>
+              </p:cNvSpPr>
+              <p:nvPr>
+                <p:ph type="body" idx="1"/>
+              </p:nvPr>
+            </p:nvSpPr>
+            <p:spPr/>
+            <p:txBody>
+              <a:bodyPr/>
+              <a:lstStyle/>
+              <a:p>
+                <a:pPr marL="0" marR="0" lvl="0" indent="0" algn="l" defTabSz="914400" rtl="0" eaLnBrk="1" fontAlgn="auto" latinLnBrk="0" hangingPunct="1">
+                  <a:lnSpc>
+                    <a:spcPct val="100000"/>
+                  </a:lnSpc>
+                  <a:spcBef>
+                    <a:spcPts val="0"/>
+                  </a:spcBef>
+                  <a:spcAft>
+                    <a:spcPts val="0"/>
+                  </a:spcAft>
+                  <a:buClrTx/>
+                  <a:buSzTx/>
+                  <a:buFontTx/>
+                  <a:buNone/>
+                  <a:tabLst/>
+                  <a:defRPr/>
+                </a:pPr>
+                <a:endParaRPr lang="en-US" sz="1800" dirty="0">
+                  <a:effectLst/>
+                  <a:latin typeface="Times New Roman" panose="02020603050405020304" pitchFamily="18" charset="0"/>
+                  <a:ea typeface="Calibri" panose="020F0502020204030204" pitchFamily="34" charset="0"/>
+                </a:endParaRPr>
+              </a:p>
+              <a:p>
+                <a:r>
+                  <a:rPr lang="vi-VN" sz="1200" kern="1200" dirty="0">
+                    <a:solidFill>
+                      <a:schemeClr val="tx1"/>
+                    </a:solidFill>
+                    <a:effectLst/>
+                    <a:latin typeface="+mn-lt"/>
+                    <a:ea typeface="+mn-ea"/>
+                    <a:cs typeface="+mn-cs"/>
+                  </a:rPr>
+                  <a:t>Tiến hành thu thập trên 100 mẫu dữ liệu là hình ảnh cơ thể người được thiết lập theo đúng các thông số đề ra, đi kèm với chiều cao thực tế được đo chính xác khi đứng thẳng và không đi giày, dép của đối tượng tương ứng.</a:t>
+                </a:r>
+                <a:endParaRPr lang="en-US" sz="1200" kern="1200" dirty="0">
+                  <a:solidFill>
+                    <a:schemeClr val="tx1"/>
+                  </a:solidFill>
+                  <a:effectLst/>
+                  <a:latin typeface="+mn-lt"/>
+                  <a:ea typeface="+mn-ea"/>
+                  <a:cs typeface="+mn-cs"/>
+                </a:endParaRPr>
+              </a:p>
+              <a:p>
+                <a:r>
+                  <a:rPr lang="vi-VN" sz="1200" kern="1200" dirty="0">
+                    <a:solidFill>
+                      <a:schemeClr val="tx1"/>
+                    </a:solidFill>
+                    <a:effectLst/>
+                    <a:latin typeface="+mn-lt"/>
+                    <a:ea typeface="+mn-ea"/>
+                    <a:cs typeface="+mn-cs"/>
+                  </a:rPr>
+                  <a:t>Đầu ra của bước này là các tọa độ các mốc cơ thể của các đối tượng trong các ảnh thu thập được.</a:t>
+                </a:r>
+                <a:endParaRPr lang="en-US" sz="1200" kern="1200" dirty="0">
+                  <a:solidFill>
+                    <a:schemeClr val="tx1"/>
+                  </a:solidFill>
+                  <a:effectLst/>
+                  <a:latin typeface="+mn-lt"/>
+                  <a:ea typeface="+mn-ea"/>
+                  <a:cs typeface="+mn-cs"/>
+                </a:endParaRPr>
+              </a:p>
+              <a:p>
+                <a:pPr marL="0" marR="0" lvl="0" indent="0" algn="l" defTabSz="914400" rtl="0" eaLnBrk="1" fontAlgn="auto" latinLnBrk="0" hangingPunct="1">
+                  <a:lnSpc>
+                    <a:spcPct val="100000"/>
+                  </a:lnSpc>
+                  <a:spcBef>
+                    <a:spcPts val="0"/>
+                  </a:spcBef>
+                  <a:spcAft>
+                    <a:spcPts val="0"/>
+                  </a:spcAft>
+                  <a:buClrTx/>
+                  <a:buSzTx/>
+                  <a:buFontTx/>
+                  <a:buNone/>
+                  <a:tabLst/>
+                  <a:defRPr/>
+                </a:pPr>
+                <a:r>
+                  <a:rPr lang="vi-VN" sz="1800" dirty="0">
+                    <a:effectLst/>
+                    <a:latin typeface="Times New Roman" panose="02020603050405020304" pitchFamily="18" charset="0"/>
+                    <a:ea typeface="Calibri" panose="020F0502020204030204" pitchFamily="34" charset="0"/>
+                  </a:rPr>
+                  <a:t>Trong khuôn khổ nghiên cứu và thực hiện sản phẩm này, khi thu tập dữ liệu, em cố định chiều cao của </a:t>
+                </a:r>
+                <a:r>
+                  <a:rPr lang="vi-VN" sz="1800" dirty="0" err="1">
+                    <a:effectLst/>
+                    <a:latin typeface="Times New Roman" panose="02020603050405020304" pitchFamily="18" charset="0"/>
+                    <a:ea typeface="Calibri" panose="020F0502020204030204" pitchFamily="34" charset="0"/>
+                  </a:rPr>
+                  <a:t>camera</a:t>
+                </a:r>
+                <a:r>
+                  <a:rPr lang="vi-VN" sz="1800" dirty="0">
+                    <a:effectLst/>
+                    <a:latin typeface="Times New Roman" panose="02020603050405020304" pitchFamily="18" charset="0"/>
+                    <a:ea typeface="Calibri" panose="020F0502020204030204" pitchFamily="34" charset="0"/>
+                  </a:rPr>
+                  <a:t> </a:t>
+                </a:r>
+                <a:r>
+                  <a:rPr lang="vi-VN" sz="1800" i="0">
+                    <a:effectLst/>
+                    <a:latin typeface="Cambria Math" panose="02040503050406030204" pitchFamily="18" charset="0"/>
+                    <a:ea typeface="Calibri" panose="020F0502020204030204" pitchFamily="34" charset="0"/>
+                  </a:rPr>
+                  <a:t>ℎ</a:t>
+                </a:r>
+                <a:r>
+                  <a:rPr lang="en-US" sz="1800" i="0">
+                    <a:effectLst/>
+                    <a:latin typeface="Cambria Math" panose="02040503050406030204" pitchFamily="18" charset="0"/>
+                    <a:ea typeface="Calibri" panose="020F0502020204030204" pitchFamily="34" charset="0"/>
+                  </a:rPr>
+                  <a:t>_</a:t>
+                </a:r>
+                <a:r>
+                  <a:rPr lang="vi-VN" sz="1800" i="0">
+                    <a:effectLst/>
+                    <a:latin typeface="Cambria Math" panose="02040503050406030204" pitchFamily="18" charset="0"/>
+                    <a:ea typeface="Calibri" panose="020F0502020204030204" pitchFamily="34" charset="0"/>
+                  </a:rPr>
+                  <a:t>𝑐=92 𝑐𝑚</a:t>
+                </a:r>
+                <a:r>
+                  <a:rPr lang="vi-VN" sz="1800" dirty="0">
+                    <a:effectLst/>
+                    <a:latin typeface="Times New Roman" panose="02020603050405020304" pitchFamily="18" charset="0"/>
+                    <a:ea typeface="Calibri" panose="020F0502020204030204" pitchFamily="34" charset="0"/>
+                  </a:rPr>
+                  <a:t> và khoảng cách từ </a:t>
+                </a:r>
+                <a:r>
+                  <a:rPr lang="vi-VN" sz="1800" dirty="0" err="1">
+                    <a:effectLst/>
+                    <a:latin typeface="Times New Roman" panose="02020603050405020304" pitchFamily="18" charset="0"/>
+                    <a:ea typeface="Calibri" panose="020F0502020204030204" pitchFamily="34" charset="0"/>
+                  </a:rPr>
+                  <a:t>camera</a:t>
+                </a:r>
+                <a:r>
+                  <a:rPr lang="vi-VN" sz="1800" dirty="0">
+                    <a:effectLst/>
+                    <a:latin typeface="Times New Roman" panose="02020603050405020304" pitchFamily="18" charset="0"/>
+                    <a:ea typeface="Calibri" panose="020F0502020204030204" pitchFamily="34" charset="0"/>
+                  </a:rPr>
+                  <a:t> đến vị trí cơ thể người </a:t>
+                </a:r>
+                <a:r>
+                  <a:rPr lang="vi-VN" sz="1800" i="0">
+                    <a:effectLst/>
+                    <a:latin typeface="Cambria Math" panose="02040503050406030204" pitchFamily="18" charset="0"/>
+                    <a:ea typeface="Calibri" panose="020F0502020204030204" pitchFamily="34" charset="0"/>
+                  </a:rPr>
+                  <a:t>𝑑=188.5 𝑐𝑚</a:t>
+                </a:r>
+                <a:r>
+                  <a:rPr lang="vi-VN" sz="1800" dirty="0">
+                    <a:effectLst/>
+                    <a:latin typeface="Times New Roman" panose="02020603050405020304" pitchFamily="18" charset="0"/>
+                    <a:ea typeface="Calibri" panose="020F0502020204030204" pitchFamily="34" charset="0"/>
+                  </a:rPr>
+                  <a:t>.</a:t>
+                </a:r>
+                <a:endParaRPr lang="en-US" sz="1800" dirty="0">
+                  <a:effectLst/>
+                  <a:latin typeface="Times New Roman" panose="02020603050405020304" pitchFamily="18" charset="0"/>
+                  <a:ea typeface="Calibri" panose="020F0502020204030204" pitchFamily="34" charset="0"/>
+                </a:endParaRPr>
+              </a:p>
+              <a:p>
+                <a:endParaRPr lang="en-US" dirty="0"/>
+              </a:p>
+            </p:txBody>
+          </p:sp>
+        </mc:Fallback>
+      </mc:AlternateContent>
+      <p:sp>
+        <p:nvSpPr>
+          <p:cNvPr id="4" name="Slide Number Placeholder 3"/>
+          <p:cNvSpPr>
+            <a:spLocks noGrp="1"/>
+          </p:cNvSpPr>
+          <p:nvPr>
+            <p:ph type="sldNum" sz="quarter" idx="5"/>
+          </p:nvPr>
+        </p:nvSpPr>
+        <p:spPr/>
+        <p:txBody>
+          <a:bodyPr/>
+          <a:lstStyle/>
+          <a:p>
+            <a:fld id="{89963F0C-BEE8-4C07-A373-1E838A12F5A3}" type="slidenum">
+              <a:rPr lang="en-US" smtClean="0"/>
+              <a:t>9</a:t>
+            </a:fld>
+            <a:endParaRPr lang="en-US"/>
+          </a:p>
+        </p:txBody>
+      </p:sp>
+    </p:spTree>
+    <p:extLst>
+      <p:ext uri="{BB962C8B-B14F-4D97-AF65-F5344CB8AC3E}">
+        <p14:creationId xmlns:p14="http://schemas.microsoft.com/office/powerpoint/2010/main" val="2639470412"/>
+      </p:ext>
+    </p:extLst>
+  </p:cSld>
+  <p:clrMapOvr>
+    <a:masterClrMapping/>
+  </p:clrMapOvr>
+</p:notes>
+</file>
+
+<file path=ppt/notesSlides/notesSlide5.xml><?xml version="1.0" encoding="utf-8"?>
+<p:notes xmlns:a="http://schemas.openxmlformats.org/drawingml/2006/main" xmlns:r="http://schemas.openxmlformats.org/officeDocument/2006/relationships" xmlns:p="http://schemas.openxmlformats.org/presentationml/2006/main">
+  <p:cSld>
+    <p:spTree>
+      <p:nvGrpSpPr>
+        <p:cNvPr id="1" name=""/>
+        <p:cNvGrpSpPr/>
+        <p:nvPr/>
+      </p:nvGrpSpPr>
+      <p:grpSpPr>
+        <a:xfrm>
+          <a:off x="0" y="0"/>
+          <a:ext cx="0" cy="0"/>
+          <a:chOff x="0" y="0"/>
+          <a:chExt cx="0" cy="0"/>
+        </a:xfrm>
+      </p:grpSpPr>
+      <p:sp>
+        <p:nvSpPr>
+          <p:cNvPr id="2" name="Slide Image Placeholder 1"/>
+          <p:cNvSpPr>
+            <a:spLocks noGrp="1" noRot="1" noChangeAspect="1"/>
+          </p:cNvSpPr>
+          <p:nvPr>
+            <p:ph type="sldImg"/>
+          </p:nvPr>
+        </p:nvSpPr>
+        <p:spPr/>
+      </p:sp>
+      <p:sp>
+        <p:nvSpPr>
+          <p:cNvPr id="3" name="Notes Placeholder 2"/>
+          <p:cNvSpPr>
+            <a:spLocks noGrp="1"/>
+          </p:cNvSpPr>
+          <p:nvPr>
+            <p:ph type="body" idx="1"/>
+          </p:nvPr>
+        </p:nvSpPr>
+        <p:spPr/>
+        <p:txBody>
+          <a:bodyPr/>
+          <a:lstStyle/>
+          <a:p>
+            <a:pPr marL="0" marR="0" lvl="0" indent="0" algn="l" defTabSz="914400" rtl="0" eaLnBrk="1" fontAlgn="auto" latinLnBrk="0" hangingPunct="1">
+              <a:lnSpc>
+                <a:spcPct val="100000"/>
+              </a:lnSpc>
+              <a:spcBef>
+                <a:spcPts val="0"/>
+              </a:spcBef>
+              <a:spcAft>
+                <a:spcPts val="0"/>
+              </a:spcAft>
+              <a:buClrTx/>
+              <a:buSzTx/>
+              <a:buFontTx/>
+              <a:buNone/>
+              <a:tabLst/>
+              <a:defRPr/>
+            </a:pPr>
+            <a:r>
+              <a:rPr lang="vi-VN" sz="1800" dirty="0">
+                <a:effectLst/>
+                <a:latin typeface="Times New Roman" panose="02020603050405020304" pitchFamily="18" charset="0"/>
+                <a:ea typeface="Calibri" panose="020F0502020204030204" pitchFamily="34" charset="0"/>
+              </a:rPr>
+              <a:t>Em sử dụng 9 trong 33 mốc cơ thể bao gồm: </a:t>
+            </a:r>
+            <a:r>
+              <a:rPr lang="vi-VN" sz="1800" dirty="0">
+                <a:effectLst/>
+                <a:latin typeface="Times New Roman" panose="02020603050405020304" pitchFamily="18" charset="0"/>
+                <a:ea typeface="Times New Roman" panose="02020603050405020304" pitchFamily="18" charset="0"/>
+              </a:rPr>
+              <a:t>mốc 0 – mũi, mốc 11 và 12 – vai, mốc 23 và 24 – hông, mốc 26 – đầu gối phải, mốc 28 – mắt cá chân phải, mốc 30 - gót chân phải, mốc 32 – ngón chân phải.</a:t>
+            </a:r>
+            <a:endParaRPr lang="en-US" sz="1800" dirty="0">
+              <a:effectLst/>
+              <a:latin typeface="Times New Roman" panose="02020603050405020304" pitchFamily="18" charset="0"/>
+              <a:ea typeface="Calibri" panose="020F0502020204030204" pitchFamily="34" charset="0"/>
+            </a:endParaRPr>
+          </a:p>
+          <a:p>
+            <a:r>
+              <a:rPr lang="en-US" dirty="0" err="1"/>
+              <a:t>Sử</a:t>
+            </a:r>
+            <a:r>
+              <a:rPr lang="en-US" dirty="0"/>
+              <a:t> </a:t>
+            </a:r>
+            <a:r>
+              <a:rPr lang="en-US" dirty="0" err="1"/>
+              <a:t>dụng</a:t>
+            </a:r>
+            <a:r>
+              <a:rPr lang="en-US" dirty="0"/>
+              <a:t> </a:t>
+            </a:r>
+            <a:r>
+              <a:rPr lang="en-US" dirty="0" err="1"/>
+              <a:t>các</a:t>
+            </a:r>
+            <a:r>
+              <a:rPr lang="en-US" dirty="0"/>
+              <a:t> </a:t>
+            </a:r>
+            <a:r>
+              <a:rPr lang="en-US" dirty="0" err="1"/>
+              <a:t>công</a:t>
+            </a:r>
+            <a:r>
+              <a:rPr lang="en-US" dirty="0"/>
+              <a:t> </a:t>
+            </a:r>
+            <a:r>
+              <a:rPr lang="en-US" dirty="0" err="1"/>
+              <a:t>thức</a:t>
+            </a:r>
+            <a:r>
+              <a:rPr lang="en-US" dirty="0"/>
+              <a:t> </a:t>
+            </a:r>
+            <a:r>
+              <a:rPr lang="en-US" dirty="0" err="1"/>
+              <a:t>toán</a:t>
+            </a:r>
+            <a:r>
+              <a:rPr lang="en-US" dirty="0"/>
+              <a:t> </a:t>
+            </a:r>
+            <a:r>
+              <a:rPr lang="en-US" dirty="0" err="1"/>
+              <a:t>học</a:t>
+            </a:r>
+            <a:r>
+              <a:rPr lang="en-US" dirty="0"/>
+              <a:t> </a:t>
+            </a:r>
+            <a:r>
+              <a:rPr lang="en-US" dirty="0" err="1"/>
+              <a:t>để</a:t>
+            </a:r>
+            <a:r>
+              <a:rPr lang="en-US" dirty="0"/>
+              <a:t> </a:t>
+            </a:r>
+            <a:r>
+              <a:rPr lang="en-US" dirty="0" err="1"/>
+              <a:t>tính</a:t>
+            </a:r>
+            <a:r>
+              <a:rPr lang="en-US" dirty="0"/>
+              <a:t> </a:t>
+            </a:r>
+            <a:r>
+              <a:rPr lang="en-US" dirty="0" err="1"/>
+              <a:t>toán</a:t>
+            </a:r>
+            <a:r>
+              <a:rPr lang="en-US" dirty="0"/>
+              <a:t> </a:t>
+            </a:r>
+            <a:r>
+              <a:rPr lang="en-US" dirty="0" err="1"/>
+              <a:t>độ</a:t>
+            </a:r>
+            <a:r>
+              <a:rPr lang="en-US" dirty="0"/>
+              <a:t> </a:t>
+            </a:r>
+            <a:r>
+              <a:rPr lang="en-US" dirty="0" err="1"/>
+              <a:t>dài</a:t>
+            </a:r>
+            <a:r>
+              <a:rPr lang="en-US" dirty="0"/>
+              <a:t> </a:t>
+            </a:r>
+            <a:r>
+              <a:rPr lang="en-US" dirty="0" err="1"/>
+              <a:t>các</a:t>
+            </a:r>
+            <a:r>
+              <a:rPr lang="en-US" dirty="0"/>
+              <a:t> </a:t>
+            </a:r>
+            <a:r>
+              <a:rPr lang="en-US" dirty="0" err="1"/>
+              <a:t>chiều</a:t>
+            </a:r>
+            <a:r>
+              <a:rPr lang="en-US" dirty="0"/>
+              <a:t> </a:t>
+            </a:r>
+            <a:r>
+              <a:rPr lang="en-US" dirty="0" err="1"/>
+              <a:t>dài</a:t>
+            </a:r>
+            <a:endParaRPr lang="en-US" dirty="0"/>
+          </a:p>
+        </p:txBody>
+      </p:sp>
+      <p:sp>
+        <p:nvSpPr>
+          <p:cNvPr id="4" name="Slide Number Placeholder 3"/>
+          <p:cNvSpPr>
+            <a:spLocks noGrp="1"/>
+          </p:cNvSpPr>
+          <p:nvPr>
+            <p:ph type="sldNum" sz="quarter" idx="5"/>
+          </p:nvPr>
+        </p:nvSpPr>
+        <p:spPr/>
+        <p:txBody>
+          <a:bodyPr/>
+          <a:lstStyle/>
+          <a:p>
+            <a:fld id="{89963F0C-BEE8-4C07-A373-1E838A12F5A3}" type="slidenum">
+              <a:rPr lang="en-US" smtClean="0"/>
+              <a:t>10</a:t>
+            </a:fld>
+            <a:endParaRPr lang="en-US"/>
+          </a:p>
+        </p:txBody>
+      </p:sp>
+    </p:spTree>
+    <p:extLst>
+      <p:ext uri="{BB962C8B-B14F-4D97-AF65-F5344CB8AC3E}">
+        <p14:creationId xmlns:p14="http://schemas.microsoft.com/office/powerpoint/2010/main" val="813986876"/>
+      </p:ext>
+    </p:extLst>
+  </p:cSld>
+  <p:clrMapOvr>
+    <a:masterClrMapping/>
+  </p:clrMapOvr>
+</p:notes>
+</file>
+
+<file path=ppt/notesSlides/notesSlide6.xml><?xml version="1.0" encoding="utf-8"?>
+<p:notes xmlns:a="http://schemas.openxmlformats.org/drawingml/2006/main" xmlns:r="http://schemas.openxmlformats.org/officeDocument/2006/relationships" xmlns:p="http://schemas.openxmlformats.org/presentationml/2006/main">
+  <p:cSld>
+    <p:spTree>
+      <p:nvGrpSpPr>
+        <p:cNvPr id="1" name=""/>
+        <p:cNvGrpSpPr/>
+        <p:nvPr/>
+      </p:nvGrpSpPr>
+      <p:grpSpPr>
+        <a:xfrm>
+          <a:off x="0" y="0"/>
+          <a:ext cx="0" cy="0"/>
+          <a:chOff x="0" y="0"/>
+          <a:chExt cx="0" cy="0"/>
+        </a:xfrm>
+      </p:grpSpPr>
+      <p:sp>
+        <p:nvSpPr>
+          <p:cNvPr id="2" name="Slide Image Placeholder 1"/>
+          <p:cNvSpPr>
+            <a:spLocks noGrp="1" noRot="1" noChangeAspect="1"/>
+          </p:cNvSpPr>
+          <p:nvPr>
+            <p:ph type="sldImg"/>
+          </p:nvPr>
+        </p:nvSpPr>
+        <p:spPr/>
+      </p:sp>
+      <p:sp>
+        <p:nvSpPr>
+          <p:cNvPr id="3" name="Notes Placeholder 2"/>
+          <p:cNvSpPr>
+            <a:spLocks noGrp="1"/>
+          </p:cNvSpPr>
+          <p:nvPr>
+            <p:ph type="body" idx="1"/>
+          </p:nvPr>
+        </p:nvSpPr>
+        <p:spPr/>
+        <p:txBody>
+          <a:bodyPr/>
+          <a:lstStyle/>
+          <a:p>
+            <a:r>
+              <a:rPr lang="en-US" dirty="0"/>
+              <a:t>Qua </a:t>
+            </a:r>
+            <a:r>
+              <a:rPr lang="en-US" dirty="0" err="1"/>
+              <a:t>các</a:t>
+            </a:r>
+            <a:r>
+              <a:rPr lang="en-US" dirty="0"/>
+              <a:t> </a:t>
+            </a:r>
+            <a:r>
+              <a:rPr lang="en-US" dirty="0" err="1"/>
+              <a:t>thử</a:t>
+            </a:r>
+            <a:r>
+              <a:rPr lang="en-US" dirty="0"/>
+              <a:t> </a:t>
+            </a:r>
+            <a:r>
+              <a:rPr lang="en-US" dirty="0" err="1"/>
+              <a:t>nghiệm</a:t>
+            </a:r>
+            <a:r>
+              <a:rPr lang="en-US" dirty="0"/>
+              <a:t> </a:t>
+            </a:r>
+            <a:r>
+              <a:rPr lang="en-US" dirty="0" err="1"/>
+              <a:t>và</a:t>
+            </a:r>
+            <a:r>
+              <a:rPr lang="en-US" dirty="0"/>
+              <a:t> </a:t>
+            </a:r>
+            <a:r>
+              <a:rPr lang="en-US" dirty="0" err="1"/>
+              <a:t>huấn</a:t>
+            </a:r>
+            <a:r>
+              <a:rPr lang="en-US" dirty="0"/>
+              <a:t> </a:t>
+            </a:r>
+            <a:r>
+              <a:rPr lang="en-US" dirty="0" err="1"/>
+              <a:t>luyện</a:t>
+            </a:r>
+            <a:r>
+              <a:rPr lang="en-US" dirty="0"/>
+              <a:t> </a:t>
+            </a:r>
+            <a:r>
+              <a:rPr lang="en-US" dirty="0" err="1"/>
+              <a:t>mô</a:t>
+            </a:r>
+            <a:r>
+              <a:rPr lang="en-US" dirty="0"/>
+              <a:t> </a:t>
+            </a:r>
+            <a:r>
+              <a:rPr lang="en-US" dirty="0" err="1"/>
+              <a:t>hình</a:t>
+            </a:r>
+            <a:r>
+              <a:rPr lang="en-US" dirty="0"/>
+              <a:t> </a:t>
+            </a:r>
+            <a:r>
+              <a:rPr lang="en-US" dirty="0" err="1"/>
+              <a:t>sử</a:t>
+            </a:r>
+            <a:r>
+              <a:rPr lang="en-US" dirty="0"/>
+              <a:t> </a:t>
+            </a:r>
+            <a:r>
+              <a:rPr lang="en-US" dirty="0" err="1"/>
+              <a:t>dụng</a:t>
+            </a:r>
+            <a:r>
+              <a:rPr lang="en-US" dirty="0"/>
+              <a:t> </a:t>
+            </a:r>
+            <a:r>
+              <a:rPr lang="en-US" dirty="0" err="1"/>
+              <a:t>hồi</a:t>
+            </a:r>
+            <a:r>
+              <a:rPr lang="en-US" dirty="0"/>
+              <a:t> </a:t>
+            </a:r>
+            <a:r>
+              <a:rPr lang="en-US" dirty="0" err="1"/>
+              <a:t>quy</a:t>
+            </a:r>
+            <a:r>
+              <a:rPr lang="en-US" dirty="0"/>
+              <a:t> </a:t>
+            </a:r>
+            <a:r>
+              <a:rPr lang="en-US" dirty="0" err="1"/>
+              <a:t>tuyến</a:t>
+            </a:r>
+            <a:r>
+              <a:rPr lang="en-US" dirty="0"/>
+              <a:t> </a:t>
+            </a:r>
+            <a:r>
+              <a:rPr lang="en-US" dirty="0" err="1"/>
+              <a:t>tính</a:t>
+            </a:r>
+            <a:r>
+              <a:rPr lang="en-US" dirty="0"/>
+              <a:t> </a:t>
+            </a:r>
+            <a:r>
+              <a:rPr lang="en-US" dirty="0" err="1"/>
+              <a:t>bội</a:t>
+            </a:r>
+            <a:r>
+              <a:rPr lang="en-US" dirty="0"/>
+              <a:t> </a:t>
+            </a:r>
+            <a:r>
+              <a:rPr lang="en-US" dirty="0" err="1"/>
+              <a:t>với</a:t>
+            </a:r>
+            <a:r>
+              <a:rPr lang="en-US" dirty="0"/>
+              <a:t> </a:t>
+            </a:r>
+            <a:r>
+              <a:rPr lang="en-US" dirty="0" err="1"/>
+              <a:t>các</a:t>
+            </a:r>
+            <a:r>
+              <a:rPr lang="en-US" dirty="0"/>
+              <a:t> </a:t>
+            </a:r>
+            <a:r>
+              <a:rPr lang="en-US" dirty="0" err="1"/>
+              <a:t>đoạn</a:t>
+            </a:r>
+            <a:r>
+              <a:rPr lang="en-US" dirty="0"/>
+              <a:t> </a:t>
+            </a:r>
+            <a:r>
+              <a:rPr lang="en-US" dirty="0" err="1"/>
+              <a:t>chiều</a:t>
+            </a:r>
+            <a:r>
+              <a:rPr lang="en-US" dirty="0"/>
+              <a:t> </a:t>
+            </a:r>
+            <a:r>
+              <a:rPr lang="en-US" dirty="0" err="1"/>
+              <a:t>cao</a:t>
+            </a:r>
+            <a:r>
+              <a:rPr lang="en-US" dirty="0"/>
+              <a:t> h1 </a:t>
+            </a:r>
+            <a:r>
+              <a:rPr lang="en-US" dirty="0" err="1"/>
+              <a:t>đến</a:t>
+            </a:r>
+            <a:r>
+              <a:rPr lang="en-US" dirty="0"/>
+              <a:t> h5 </a:t>
+            </a:r>
+            <a:r>
+              <a:rPr lang="en-US" dirty="0" err="1"/>
+              <a:t>như</a:t>
+            </a:r>
+            <a:r>
+              <a:rPr lang="en-US" dirty="0"/>
+              <a:t> </a:t>
+            </a:r>
+            <a:r>
+              <a:rPr lang="en-US" dirty="0" err="1"/>
+              <a:t>hình</a:t>
+            </a:r>
+            <a:r>
+              <a:rPr lang="en-US" dirty="0"/>
+              <a:t> </a:t>
+            </a:r>
+            <a:r>
+              <a:rPr lang="en-US" dirty="0" err="1"/>
+              <a:t>trước</a:t>
+            </a:r>
+            <a:r>
+              <a:rPr lang="en-US" dirty="0"/>
+              <a:t> </a:t>
+            </a:r>
+            <a:r>
+              <a:rPr lang="en-US" dirty="0" err="1"/>
+              <a:t>đó</a:t>
+            </a:r>
+            <a:r>
+              <a:rPr lang="en-US" dirty="0"/>
+              <a:t>, </a:t>
+            </a:r>
+            <a:r>
+              <a:rPr lang="en-US" dirty="0" err="1"/>
+              <a:t>em</a:t>
+            </a:r>
+            <a:r>
+              <a:rPr lang="en-US" dirty="0"/>
+              <a:t> </a:t>
+            </a:r>
+            <a:r>
+              <a:rPr lang="en-US" dirty="0" err="1"/>
+              <a:t>cho</a:t>
+            </a:r>
+            <a:r>
+              <a:rPr lang="en-US" dirty="0"/>
+              <a:t> </a:t>
+            </a:r>
+            <a:r>
+              <a:rPr lang="en-US" dirty="0" err="1"/>
+              <a:t>ra</a:t>
+            </a:r>
+            <a:r>
+              <a:rPr lang="en-US" dirty="0"/>
+              <a:t> </a:t>
+            </a:r>
+            <a:r>
+              <a:rPr lang="en-US" dirty="0" err="1"/>
+              <a:t>được</a:t>
+            </a:r>
+            <a:r>
+              <a:rPr lang="en-US" dirty="0"/>
+              <a:t> </a:t>
+            </a:r>
+            <a:r>
+              <a:rPr lang="en-US" dirty="0" err="1"/>
+              <a:t>mô</a:t>
+            </a:r>
+            <a:r>
+              <a:rPr lang="en-US" dirty="0"/>
+              <a:t> </a:t>
+            </a:r>
+            <a:r>
+              <a:rPr lang="en-US" dirty="0" err="1"/>
+              <a:t>hình</a:t>
+            </a:r>
+            <a:r>
+              <a:rPr lang="en-US" dirty="0"/>
+              <a:t> </a:t>
+            </a:r>
+            <a:r>
+              <a:rPr lang="en-US" dirty="0" err="1"/>
+              <a:t>có</a:t>
+            </a:r>
+            <a:r>
+              <a:rPr lang="en-US" dirty="0"/>
+              <a:t> </a:t>
+            </a:r>
+            <a:r>
+              <a:rPr lang="en-US" dirty="0" err="1"/>
+              <a:t>độ</a:t>
+            </a:r>
+            <a:r>
+              <a:rPr lang="en-US" dirty="0"/>
+              <a:t> </a:t>
+            </a:r>
+            <a:r>
+              <a:rPr lang="en-US" dirty="0" err="1"/>
+              <a:t>chính</a:t>
+            </a:r>
+            <a:r>
+              <a:rPr lang="en-US" dirty="0"/>
+              <a:t> </a:t>
+            </a:r>
+            <a:r>
+              <a:rPr lang="en-US" dirty="0" err="1"/>
+              <a:t>xác</a:t>
+            </a:r>
+            <a:r>
+              <a:rPr lang="en-US" dirty="0"/>
+              <a:t> </a:t>
+            </a:r>
+            <a:r>
+              <a:rPr lang="en-US" dirty="0" err="1"/>
+              <a:t>cao</a:t>
+            </a:r>
+            <a:r>
+              <a:rPr lang="en-US" dirty="0"/>
+              <a:t>.</a:t>
+            </a:r>
+          </a:p>
+        </p:txBody>
+      </p:sp>
+      <p:sp>
+        <p:nvSpPr>
+          <p:cNvPr id="4" name="Slide Number Placeholder 3"/>
+          <p:cNvSpPr>
+            <a:spLocks noGrp="1"/>
+          </p:cNvSpPr>
+          <p:nvPr>
+            <p:ph type="sldNum" sz="quarter" idx="5"/>
+          </p:nvPr>
+        </p:nvSpPr>
+        <p:spPr/>
+        <p:txBody>
+          <a:bodyPr/>
+          <a:lstStyle/>
+          <a:p>
+            <a:fld id="{89963F0C-BEE8-4C07-A373-1E838A12F5A3}" type="slidenum">
+              <a:rPr lang="en-US" smtClean="0"/>
+              <a:t>11</a:t>
+            </a:fld>
+            <a:endParaRPr lang="en-US"/>
+          </a:p>
+        </p:txBody>
+      </p:sp>
+    </p:spTree>
+    <p:extLst>
+      <p:ext uri="{BB962C8B-B14F-4D97-AF65-F5344CB8AC3E}">
+        <p14:creationId xmlns:p14="http://schemas.microsoft.com/office/powerpoint/2010/main" val="1169949031"/>
+      </p:ext>
+    </p:extLst>
+  </p:cSld>
+  <p:clrMapOvr>
+    <a:masterClrMapping/>
+  </p:clrMapOvr>
+</p:notes>
+</file>
+
+<file path=ppt/notesSlides/notesSlide7.xml><?xml version="1.0" encoding="utf-8"?>
+<p:notes xmlns:a="http://schemas.openxmlformats.org/drawingml/2006/main" xmlns:r="http://schemas.openxmlformats.org/officeDocument/2006/relationships" xmlns:p="http://schemas.openxmlformats.org/presentationml/2006/main">
+  <p:cSld>
+    <p:spTree>
+      <p:nvGrpSpPr>
+        <p:cNvPr id="1" name=""/>
+        <p:cNvGrpSpPr/>
+        <p:nvPr/>
+      </p:nvGrpSpPr>
+      <p:grpSpPr>
+        <a:xfrm>
+          <a:off x="0" y="0"/>
+          <a:ext cx="0" cy="0"/>
+          <a:chOff x="0" y="0"/>
+          <a:chExt cx="0" cy="0"/>
+        </a:xfrm>
+      </p:grpSpPr>
+      <p:sp>
+        <p:nvSpPr>
+          <p:cNvPr id="2" name="Slide Image Placeholder 1"/>
+          <p:cNvSpPr>
+            <a:spLocks noGrp="1" noRot="1" noChangeAspect="1"/>
+          </p:cNvSpPr>
+          <p:nvPr>
+            <p:ph type="sldImg"/>
+          </p:nvPr>
+        </p:nvSpPr>
+        <p:spPr/>
+      </p:sp>
+      <p:sp>
+        <p:nvSpPr>
+          <p:cNvPr id="3" name="Notes Placeholder 2"/>
+          <p:cNvSpPr>
+            <a:spLocks noGrp="1"/>
+          </p:cNvSpPr>
+          <p:nvPr>
+            <p:ph type="body" idx="1"/>
+          </p:nvPr>
+        </p:nvSpPr>
+        <p:spPr/>
+        <p:txBody>
+          <a:bodyPr/>
+          <a:lstStyle/>
+          <a:p>
+            <a:endParaRPr lang="en-US" dirty="0"/>
+          </a:p>
+        </p:txBody>
+      </p:sp>
+      <p:sp>
+        <p:nvSpPr>
+          <p:cNvPr id="4" name="Slide Number Placeholder 3"/>
+          <p:cNvSpPr>
+            <a:spLocks noGrp="1"/>
+          </p:cNvSpPr>
+          <p:nvPr>
+            <p:ph type="sldNum" sz="quarter" idx="5"/>
+          </p:nvPr>
+        </p:nvSpPr>
+        <p:spPr/>
+        <p:txBody>
+          <a:bodyPr/>
+          <a:lstStyle/>
+          <a:p>
+            <a:fld id="{89963F0C-BEE8-4C07-A373-1E838A12F5A3}" type="slidenum">
+              <a:rPr lang="en-US" smtClean="0"/>
+              <a:t>14</a:t>
+            </a:fld>
+            <a:endParaRPr lang="en-US"/>
+          </a:p>
+        </p:txBody>
+      </p:sp>
+    </p:spTree>
+    <p:extLst>
+      <p:ext uri="{BB962C8B-B14F-4D97-AF65-F5344CB8AC3E}">
+        <p14:creationId xmlns:p14="http://schemas.microsoft.com/office/powerpoint/2010/main" val="1129082517"/>
+      </p:ext>
+    </p:extLst>
+  </p:cSld>
+  <p:clrMapOvr>
+    <a:masterClrMapping/>
+  </p:clrMapOvr>
+</p:notes>
 </file>
 
 <file path=ppt/slideLayouts/slideLayout1.xml><?xml version="1.0" encoding="utf-8"?>
@@ -351,7 +2554,7 @@
           <a:p>
             <a:fld id="{C4EC85AB-8AAE-476A-A917-1673415DA9F7}" type="datetimeFigureOut">
               <a:rPr lang="en-US" smtClean="0"/>
-              <a:t>6/12/2024</a:t>
+              <a:t>6/13/2024</a:t>
             </a:fld>
             <a:endParaRPr lang="en-US"/>
           </a:p>
@@ -606,7 +2809,7 @@
           <a:p>
             <a:fld id="{C4EC85AB-8AAE-476A-A917-1673415DA9F7}" type="datetimeFigureOut">
               <a:rPr lang="en-US" smtClean="0"/>
-              <a:t>6/12/2024</a:t>
+              <a:t>6/13/2024</a:t>
             </a:fld>
             <a:endParaRPr lang="en-US"/>
           </a:p>
@@ -909,7 +3112,7 @@
           <a:p>
             <a:fld id="{C4EC85AB-8AAE-476A-A917-1673415DA9F7}" type="datetimeFigureOut">
               <a:rPr lang="en-US" smtClean="0"/>
-              <a:t>6/12/2024</a:t>
+              <a:t>6/13/2024</a:t>
             </a:fld>
             <a:endParaRPr lang="en-US"/>
           </a:p>
@@ -1167,7 +3370,7 @@
           <a:p>
             <a:fld id="{C4EC85AB-8AAE-476A-A917-1673415DA9F7}" type="datetimeFigureOut">
               <a:rPr lang="en-US" smtClean="0"/>
-              <a:t>6/12/2024</a:t>
+              <a:t>6/13/2024</a:t>
             </a:fld>
             <a:endParaRPr lang="en-US"/>
           </a:p>
@@ -1557,7 +3760,7 @@
           <a:p>
             <a:fld id="{C4EC85AB-8AAE-476A-A917-1673415DA9F7}" type="datetimeFigureOut">
               <a:rPr lang="en-US" smtClean="0"/>
-              <a:t>6/12/2024</a:t>
+              <a:t>6/13/2024</a:t>
             </a:fld>
             <a:endParaRPr lang="en-US"/>
           </a:p>
@@ -1879,7 +4082,7 @@
           <a:p>
             <a:fld id="{C4EC85AB-8AAE-476A-A917-1673415DA9F7}" type="datetimeFigureOut">
               <a:rPr lang="en-US" smtClean="0"/>
-              <a:t>6/12/2024</a:t>
+              <a:t>6/13/2024</a:t>
             </a:fld>
             <a:endParaRPr lang="en-US"/>
           </a:p>
@@ -2305,7 +4508,7 @@
           <a:p>
             <a:fld id="{C4EC85AB-8AAE-476A-A917-1673415DA9F7}" type="datetimeFigureOut">
               <a:rPr lang="en-US" smtClean="0"/>
-              <a:t>6/12/2024</a:t>
+              <a:t>6/13/2024</a:t>
             </a:fld>
             <a:endParaRPr lang="en-US"/>
           </a:p>
@@ -2470,7 +4673,7 @@
           <a:p>
             <a:fld id="{C4EC85AB-8AAE-476A-A917-1673415DA9F7}" type="datetimeFigureOut">
               <a:rPr lang="en-US" smtClean="0"/>
-              <a:t>6/12/2024</a:t>
+              <a:t>6/13/2024</a:t>
             </a:fld>
             <a:endParaRPr lang="en-US"/>
           </a:p>
@@ -2688,7 +4891,7 @@
           <a:p>
             <a:fld id="{C4EC85AB-8AAE-476A-A917-1673415DA9F7}" type="datetimeFigureOut">
               <a:rPr lang="en-US" smtClean="0"/>
-              <a:t>6/12/2024</a:t>
+              <a:t>6/13/2024</a:t>
             </a:fld>
             <a:endParaRPr lang="en-US"/>
           </a:p>
@@ -3089,7 +5292,7 @@
           <a:p>
             <a:fld id="{C4EC85AB-8AAE-476A-A917-1673415DA9F7}" type="datetimeFigureOut">
               <a:rPr lang="en-US" smtClean="0"/>
-              <a:t>6/12/2024</a:t>
+              <a:t>6/13/2024</a:t>
             </a:fld>
             <a:endParaRPr lang="en-US"/>
           </a:p>
@@ -3518,7 +5721,7 @@
           <a:p>
             <a:fld id="{C4EC85AB-8AAE-476A-A917-1673415DA9F7}" type="datetimeFigureOut">
               <a:rPr lang="en-US" smtClean="0"/>
-              <a:t>6/12/2024</a:t>
+              <a:t>6/13/2024</a:t>
             </a:fld>
             <a:endParaRPr lang="en-US"/>
           </a:p>
@@ -3852,7 +6055,7 @@
           <a:p>
             <a:fld id="{C4EC85AB-8AAE-476A-A917-1673415DA9F7}" type="datetimeFigureOut">
               <a:rPr lang="en-US" smtClean="0"/>
-              <a:t>6/12/2024</a:t>
+              <a:t>6/13/2024</a:t>
             </a:fld>
             <a:endParaRPr lang="en-US"/>
           </a:p>
@@ -4627,7 +6830,23 @@
                 <a:ea typeface="Segoe UI Black" panose="020B0A02040204020203" pitchFamily="34" charset="0"/>
                 <a:cs typeface="Segoe UI Semibold" panose="020B0702040204020203" pitchFamily="34" charset="0"/>
               </a:rPr>
-              <a:t>GVHD				: TS. </a:t>
+              <a:t>GVHD				: </a:t>
+            </a:r>
+            <a:r>
+              <a:rPr lang="en-US" sz="2000" dirty="0" err="1">
+                <a:latin typeface="Segoe UI Semibold" panose="020B0702040204020203" pitchFamily="34" charset="0"/>
+                <a:ea typeface="Segoe UI Black" panose="020B0A02040204020203" pitchFamily="34" charset="0"/>
+                <a:cs typeface="Segoe UI Semibold" panose="020B0702040204020203" pitchFamily="34" charset="0"/>
+              </a:rPr>
+              <a:t>ThS</a:t>
+            </a:r>
+            <a:r>
+              <a:rPr lang="en-US" sz="2000" dirty="0">
+                <a:latin typeface="Segoe UI Semibold" panose="020B0702040204020203" pitchFamily="34" charset="0"/>
+                <a:ea typeface="Segoe UI Black" panose="020B0A02040204020203" pitchFamily="34" charset="0"/>
+                <a:cs typeface="Segoe UI Semibold" panose="020B0702040204020203" pitchFamily="34" charset="0"/>
+              </a:rPr>
+              <a:t>. </a:t>
             </a:r>
             <a:r>
               <a:rPr lang="en-US" sz="2000" dirty="0" err="1">
@@ -4761,7 +6980,7 @@
                 <a:latin typeface="Segoe UI" panose="020B0502040204020203" pitchFamily="34" charset="0"/>
                 <a:cs typeface="Segoe UI" panose="020B0502040204020203" pitchFamily="34" charset="0"/>
               </a:rPr>
-              <a:t>4. </a:t>
+              <a:t>3. </a:t>
             </a:r>
             <a:r>
               <a:rPr lang="en-US" b="1" dirty="0" err="1">
@@ -4946,7 +7165,7 @@
           <p:nvPr/>
         </p:nvPicPr>
         <p:blipFill>
-          <a:blip r:embed="rId2">
+          <a:blip r:embed="rId3">
             <a:extLst>
               <a:ext uri="{28A0092B-C50C-407E-A947-70E740481C1C}">
                 <a14:useLocalDpi xmlns:a14="http://schemas.microsoft.com/office/drawing/2010/main" val="0"/>
@@ -4977,9 +7196,18 @@
   <p:clrMapOvr>
     <a:masterClrMapping/>
   </p:clrMapOvr>
-  <p:transition spd="slow">
-    <p:cover/>
-  </p:transition>
+  <mc:AlternateContent xmlns:mc="http://schemas.openxmlformats.org/markup-compatibility/2006">
+    <mc:Choice xmlns:p159="http://schemas.microsoft.com/office/powerpoint/2015/09/main" Requires="p159">
+      <p:transition xmlns:p14="http://schemas.microsoft.com/office/powerpoint/2010/main" spd="slow" p14:dur="2000">
+        <p159:morph option="byObject"/>
+      </p:transition>
+    </mc:Choice>
+    <mc:Fallback>
+      <p:transition spd="slow">
+        <p:fade/>
+      </p:transition>
+    </mc:Fallback>
+  </mc:AlternateContent>
   <p:timing>
     <p:tnLst>
       <p:par>
@@ -4992,6 +7220,9 @@
                     <p:cTn id="3" fill="hold">
                       <p:stCondLst>
                         <p:cond delay="indefinite"/>
+                        <p:cond evt="onBegin" delay="0">
+                          <p:tn val="2"/>
+                        </p:cond>
                       </p:stCondLst>
                       <p:childTnLst>
                         <p:par>
@@ -5001,7 +7232,7 @@
                             </p:stCondLst>
                             <p:childTnLst>
                               <p:par>
-                                <p:cTn id="5" presetID="10" presetClass="entr" presetSubtype="0" fill="hold" grpId="0" nodeType="clickEffect">
+                                <p:cTn id="5" presetID="10" presetClass="entr" presetSubtype="0" fill="hold" grpId="0" nodeType="withEffect">
                                   <p:stCondLst>
                                     <p:cond delay="0"/>
                                   </p:stCondLst>
@@ -5029,6 +7260,59 @@
                                         <p:cTn id="7" dur="500"/>
                                         <p:tgtEl>
                                           <p:spTgt spid="5"/>
+                                        </p:tgtEl>
+                                      </p:cBhvr>
+                                    </p:animEffect>
+                                  </p:childTnLst>
+                                </p:cTn>
+                              </p:par>
+                            </p:childTnLst>
+                          </p:cTn>
+                        </p:par>
+                      </p:childTnLst>
+                    </p:cTn>
+                  </p:par>
+                  <p:par>
+                    <p:cTn id="8" fill="hold">
+                      <p:stCondLst>
+                        <p:cond delay="indefinite"/>
+                      </p:stCondLst>
+                      <p:childTnLst>
+                        <p:par>
+                          <p:cTn id="9" fill="hold">
+                            <p:stCondLst>
+                              <p:cond delay="0"/>
+                            </p:stCondLst>
+                            <p:childTnLst>
+                              <p:par>
+                                <p:cTn id="10" presetID="10" presetClass="entr" presetSubtype="0" fill="hold" nodeType="clickEffect">
+                                  <p:stCondLst>
+                                    <p:cond delay="0"/>
+                                  </p:stCondLst>
+                                  <p:childTnLst>
+                                    <p:set>
+                                      <p:cBhvr>
+                                        <p:cTn id="11" dur="1" fill="hold">
+                                          <p:stCondLst>
+                                            <p:cond delay="0"/>
+                                          </p:stCondLst>
+                                        </p:cTn>
+                                        <p:tgtEl>
+                                          <p:spTgt spid="3"/>
+                                        </p:tgtEl>
+                                        <p:attrNameLst>
+                                          <p:attrName>style.visibility</p:attrName>
+                                        </p:attrNameLst>
+                                      </p:cBhvr>
+                                      <p:to>
+                                        <p:strVal val="visible"/>
+                                      </p:to>
+                                    </p:set>
+                                    <p:animEffect transition="in" filter="fade">
+                                      <p:cBhvr>
+                                        <p:cTn id="12" dur="500"/>
+                                        <p:tgtEl>
+                                          <p:spTgt spid="3"/>
                                         </p:tgtEl>
                                       </p:cBhvr>
                                     </p:animEffect>
@@ -5112,7 +7396,7 @@
                 <a:latin typeface="Segoe UI" panose="020B0502040204020203" pitchFamily="34" charset="0"/>
                 <a:cs typeface="Segoe UI" panose="020B0502040204020203" pitchFamily="34" charset="0"/>
               </a:rPr>
-              <a:t>4. </a:t>
+              <a:t>3. </a:t>
             </a:r>
             <a:r>
               <a:rPr lang="en-US" b="1" dirty="0" err="1">
@@ -5297,7 +7581,7 @@
           <p:nvPr/>
         </p:nvPicPr>
         <p:blipFill>
-          <a:blip r:embed="rId2"/>
+          <a:blip r:embed="rId3"/>
           <a:stretch>
             <a:fillRect/>
           </a:stretch>
@@ -5365,7 +7649,7 @@
         <p:spPr>
           <a:xfrm>
             <a:off x="6062472" y="2864994"/>
-            <a:ext cx="2346891" cy="1569660"/>
+            <a:ext cx="2346891" cy="1200329"/>
           </a:xfrm>
           <a:prstGeom prst="rect">
             <a:avLst/>
@@ -5439,35 +7723,7 @@
                 <a:latin typeface="Segoe UI" panose="020B0502040204020203" pitchFamily="34" charset="0"/>
                 <a:cs typeface="Segoe UI" panose="020B0502040204020203" pitchFamily="34" charset="0"/>
               </a:rPr>
-              <a:t> 1.3cm </a:t>
-            </a:r>
-            <a:r>
-              <a:rPr lang="en-US" sz="2400" dirty="0" err="1">
-                <a:latin typeface="Segoe UI" panose="020B0502040204020203" pitchFamily="34" charset="0"/>
-                <a:cs typeface="Segoe UI" panose="020B0502040204020203" pitchFamily="34" charset="0"/>
-              </a:rPr>
-              <a:t>tương</a:t>
-            </a:r>
-            <a:r>
-              <a:rPr lang="en-US" sz="2400" dirty="0">
-                <a:latin typeface="Segoe UI" panose="020B0502040204020203" pitchFamily="34" charset="0"/>
-                <a:cs typeface="Segoe UI" panose="020B0502040204020203" pitchFamily="34" charset="0"/>
-              </a:rPr>
-              <a:t> </a:t>
-            </a:r>
-            <a:r>
-              <a:rPr lang="en-US" sz="2400" dirty="0" err="1">
-                <a:latin typeface="Segoe UI" panose="020B0502040204020203" pitchFamily="34" charset="0"/>
-                <a:cs typeface="Segoe UI" panose="020B0502040204020203" pitchFamily="34" charset="0"/>
-              </a:rPr>
-              <a:t>đương</a:t>
-            </a:r>
-            <a:r>
-              <a:rPr lang="en-US" sz="2400" dirty="0">
-                <a:latin typeface="Segoe UI" panose="020B0502040204020203" pitchFamily="34" charset="0"/>
-                <a:cs typeface="Segoe UI" panose="020B0502040204020203" pitchFamily="34" charset="0"/>
-              </a:rPr>
-              <a:t> 0.8%</a:t>
+              <a:t> 1.3cm</a:t>
             </a:r>
           </a:p>
         </p:txBody>
@@ -5482,9 +7738,18 @@
   <p:clrMapOvr>
     <a:masterClrMapping/>
   </p:clrMapOvr>
-  <p:transition spd="slow">
-    <p:cover/>
-  </p:transition>
+  <mc:AlternateContent xmlns:mc="http://schemas.openxmlformats.org/markup-compatibility/2006">
+    <mc:Choice xmlns:p159="http://schemas.microsoft.com/office/powerpoint/2015/09/main" Requires="p159">
+      <p:transition xmlns:p14="http://schemas.microsoft.com/office/powerpoint/2010/main" spd="slow" p14:dur="2000">
+        <p159:morph option="byObject"/>
+      </p:transition>
+    </mc:Choice>
+    <mc:Fallback>
+      <p:transition spd="slow">
+        <p:fade/>
+      </p:transition>
+    </mc:Fallback>
+  </mc:AlternateContent>
   <p:timing>
     <p:tnLst>
       <p:par>
@@ -5497,6 +7762,9 @@
                     <p:cTn id="3" fill="hold">
                       <p:stCondLst>
                         <p:cond delay="indefinite"/>
+                        <p:cond evt="onBegin" delay="0">
+                          <p:tn val="2"/>
+                        </p:cond>
                       </p:stCondLst>
                       <p:childTnLst>
                         <p:par>
@@ -5506,7 +7774,7 @@
                             </p:stCondLst>
                             <p:childTnLst>
                               <p:par>
-                                <p:cTn id="5" presetID="10" presetClass="entr" presetSubtype="0" fill="hold" grpId="0" nodeType="clickEffect">
+                                <p:cTn id="5" presetID="10" presetClass="entr" presetSubtype="0" fill="hold" grpId="0" nodeType="withEffect">
                                   <p:stCondLst>
                                     <p:cond delay="0"/>
                                   </p:stCondLst>
@@ -5546,6 +7814,147 @@
                       </p:childTnLst>
                     </p:cTn>
                   </p:par>
+                  <p:par>
+                    <p:cTn id="8" fill="hold">
+                      <p:stCondLst>
+                        <p:cond delay="indefinite"/>
+                      </p:stCondLst>
+                      <p:childTnLst>
+                        <p:par>
+                          <p:cTn id="9" fill="hold">
+                            <p:stCondLst>
+                              <p:cond delay="0"/>
+                            </p:stCondLst>
+                            <p:childTnLst>
+                              <p:par>
+                                <p:cTn id="10" presetID="10" presetClass="entr" presetSubtype="0" fill="hold" nodeType="clickEffect">
+                                  <p:stCondLst>
+                                    <p:cond delay="0"/>
+                                  </p:stCondLst>
+                                  <p:childTnLst>
+                                    <p:set>
+                                      <p:cBhvr>
+                                        <p:cTn id="11" dur="1" fill="hold">
+                                          <p:stCondLst>
+                                            <p:cond delay="0"/>
+                                          </p:stCondLst>
+                                        </p:cTn>
+                                        <p:tgtEl>
+                                          <p:spTgt spid="4"/>
+                                        </p:tgtEl>
+                                        <p:attrNameLst>
+                                          <p:attrName>style.visibility</p:attrName>
+                                        </p:attrNameLst>
+                                      </p:cBhvr>
+                                      <p:to>
+                                        <p:strVal val="visible"/>
+                                      </p:to>
+                                    </p:set>
+                                    <p:animEffect transition="in" filter="fade">
+                                      <p:cBhvr>
+                                        <p:cTn id="12" dur="500"/>
+                                        <p:tgtEl>
+                                          <p:spTgt spid="4"/>
+                                        </p:tgtEl>
+                                      </p:cBhvr>
+                                    </p:animEffect>
+                                  </p:childTnLst>
+                                </p:cTn>
+                              </p:par>
+                              <p:par>
+                                <p:cTn id="13" presetID="10" presetClass="entr" presetSubtype="0" fill="hold" grpId="0" nodeType="withEffect">
+                                  <p:stCondLst>
+                                    <p:cond delay="0"/>
+                                  </p:stCondLst>
+                                  <p:childTnLst>
+                                    <p:set>
+                                      <p:cBhvr>
+                                        <p:cTn id="14" dur="1" fill="hold">
+                                          <p:stCondLst>
+                                            <p:cond delay="0"/>
+                                          </p:stCondLst>
+                                        </p:cTn>
+                                        <p:tgtEl>
+                                          <p:spTgt spid="6"/>
+                                        </p:tgtEl>
+                                        <p:attrNameLst>
+                                          <p:attrName>style.visibility</p:attrName>
+                                        </p:attrNameLst>
+                                      </p:cBhvr>
+                                      <p:to>
+                                        <p:strVal val="visible"/>
+                                      </p:to>
+                                    </p:set>
+                                    <p:animEffect transition="in" filter="fade">
+                                      <p:cBhvr>
+                                        <p:cTn id="15" dur="500"/>
+                                        <p:tgtEl>
+                                          <p:spTgt spid="6"/>
+                                        </p:tgtEl>
+                                      </p:cBhvr>
+                                    </p:animEffect>
+                                  </p:childTnLst>
+                                </p:cTn>
+                              </p:par>
+                            </p:childTnLst>
+                          </p:cTn>
+                        </p:par>
+                      </p:childTnLst>
+                    </p:cTn>
+                  </p:par>
+                  <p:par>
+                    <p:cTn id="16" fill="hold">
+                      <p:stCondLst>
+                        <p:cond delay="indefinite"/>
+                      </p:stCondLst>
+                      <p:childTnLst>
+                        <p:par>
+                          <p:cTn id="17" fill="hold">
+                            <p:stCondLst>
+                              <p:cond delay="0"/>
+                            </p:stCondLst>
+                            <p:childTnLst>
+                              <p:par>
+                                <p:cTn id="18" presetID="10" presetClass="entr" presetSubtype="0" fill="hold" grpId="0" nodeType="clickEffect">
+                                  <p:stCondLst>
+                                    <p:cond delay="0"/>
+                                  </p:stCondLst>
+                                  <p:childTnLst>
+                                    <p:set>
+                                      <p:cBhvr>
+                                        <p:cTn id="19" dur="1" fill="hold">
+                                          <p:stCondLst>
+                                            <p:cond delay="0"/>
+                                          </p:stCondLst>
+                                        </p:cTn>
+                                        <p:tgtEl>
+                                          <p:spTgt spid="7"/>
+                                        </p:tgtEl>
+                                        <p:attrNameLst>
+                                          <p:attrName>style.visibility</p:attrName>
+                                        </p:attrNameLst>
+                                      </p:cBhvr>
+                                      <p:to>
+                                        <p:strVal val="visible"/>
+                                      </p:to>
+                                    </p:set>
+                                    <p:animEffect transition="in" filter="fade">
+                                      <p:cBhvr>
+                                        <p:cTn id="20" dur="500"/>
+                                        <p:tgtEl>
+                                          <p:spTgt spid="7"/>
+                                        </p:tgtEl>
+                                      </p:cBhvr>
+                                    </p:animEffect>
+                                  </p:childTnLst>
+                                </p:cTn>
+                              </p:par>
+                            </p:childTnLst>
+                          </p:cTn>
+                        </p:par>
+                      </p:childTnLst>
+                    </p:cTn>
+                  </p:par>
                 </p:childTnLst>
               </p:cTn>
               <p:prevCondLst>
@@ -5569,6 +7978,8 @@
     </p:tnLst>
     <p:bldLst>
       <p:bldP spid="5" grpId="0"/>
+      <p:bldP spid="6" grpId="0"/>
+      <p:bldP spid="7" grpId="0"/>
     </p:bldLst>
   </p:timing>
 </p:sld>
@@ -5617,7 +8028,7 @@
                 <a:latin typeface="Segoe UI" panose="020B0502040204020203" pitchFamily="34" charset="0"/>
                 <a:cs typeface="Segoe UI" panose="020B0502040204020203" pitchFamily="34" charset="0"/>
               </a:rPr>
-              <a:t>5. </a:t>
+              <a:t>4. </a:t>
             </a:r>
             <a:r>
               <a:rPr lang="en-US" b="1" dirty="0" err="1">
@@ -5788,8 +8199,129 @@
     <a:masterClrMapping/>
   </p:clrMapOvr>
   <p:transition spd="slow">
-    <p:cover/>
+    <p:push dir="u"/>
   </p:transition>
+  <p:timing>
+    <p:tnLst>
+      <p:par>
+        <p:cTn id="1" dur="indefinite" restart="never" nodeType="tmRoot">
+          <p:childTnLst>
+            <p:seq concurrent="1" nextAc="seek">
+              <p:cTn id="2" dur="indefinite" nodeType="mainSeq">
+                <p:childTnLst>
+                  <p:par>
+                    <p:cTn id="3" fill="hold">
+                      <p:stCondLst>
+                        <p:cond delay="indefinite"/>
+                      </p:stCondLst>
+                      <p:childTnLst>
+                        <p:par>
+                          <p:cTn id="4" fill="hold">
+                            <p:stCondLst>
+                              <p:cond delay="0"/>
+                            </p:stCondLst>
+                            <p:childTnLst>
+                              <p:par>
+                                <p:cTn id="5" presetID="10" presetClass="entr" presetSubtype="0" fill="hold" grpId="0" nodeType="clickEffect">
+                                  <p:stCondLst>
+                                    <p:cond delay="0"/>
+                                  </p:stCondLst>
+                                  <p:childTnLst>
+                                    <p:set>
+                                      <p:cBhvr>
+                                        <p:cTn id="6" dur="1" fill="hold">
+                                          <p:stCondLst>
+                                            <p:cond delay="0"/>
+                                          </p:stCondLst>
+                                        </p:cTn>
+                                        <p:tgtEl>
+                                          <p:spTgt spid="7"/>
+                                        </p:tgtEl>
+                                        <p:attrNameLst>
+                                          <p:attrName>style.visibility</p:attrName>
+                                        </p:attrNameLst>
+                                      </p:cBhvr>
+                                      <p:to>
+                                        <p:strVal val="visible"/>
+                                      </p:to>
+                                    </p:set>
+                                    <p:animEffect transition="in" filter="fade">
+                                      <p:cBhvr>
+                                        <p:cTn id="7" dur="500"/>
+                                        <p:tgtEl>
+                                          <p:spTgt spid="7"/>
+                                        </p:tgtEl>
+                                      </p:cBhvr>
+                                    </p:animEffect>
+                                  </p:childTnLst>
+                                </p:cTn>
+                              </p:par>
+                              <p:par>
+                                <p:cTn id="8" presetID="10" presetClass="entr" presetSubtype="0" fill="hold" nodeType="withEffect">
+                                  <p:stCondLst>
+                                    <p:cond delay="0"/>
+                                  </p:stCondLst>
+                                  <p:childTnLst>
+                                    <p:set>
+                                      <p:cBhvr>
+                                        <p:cTn id="9" dur="1" fill="hold">
+                                          <p:stCondLst>
+                                            <p:cond delay="0"/>
+                                          </p:stCondLst>
+                                        </p:cTn>
+                                        <p:tgtEl>
+                                          <p:spTgt spid="9"/>
+                                        </p:tgtEl>
+                                        <p:attrNameLst>
+                                          <p:attrName>style.visibility</p:attrName>
+                                        </p:attrNameLst>
+                                      </p:cBhvr>
+                                      <p:to>
+                                        <p:strVal val="visible"/>
+                                      </p:to>
+                                    </p:set>
+                                    <p:animEffect transition="in" filter="fade">
+                                      <p:cBhvr>
+                                        <p:cTn id="10" dur="500"/>
+                                        <p:tgtEl>
+                                          <p:spTgt spid="9"/>
+                                        </p:tgtEl>
+                                      </p:cBhvr>
+                                    </p:animEffect>
+                                  </p:childTnLst>
+                                </p:cTn>
+                              </p:par>
+                            </p:childTnLst>
+                          </p:cTn>
+                        </p:par>
+                      </p:childTnLst>
+                    </p:cTn>
+                  </p:par>
+                </p:childTnLst>
+              </p:cTn>
+              <p:prevCondLst>
+                <p:cond evt="onPrev" delay="0">
+                  <p:tgtEl>
+                    <p:sldTgt/>
+                  </p:tgtEl>
+                </p:cond>
+              </p:prevCondLst>
+              <p:nextCondLst>
+                <p:cond evt="onNext" delay="0">
+                  <p:tgtEl>
+                    <p:sldTgt/>
+                  </p:tgtEl>
+                </p:cond>
+              </p:nextCondLst>
+            </p:seq>
+          </p:childTnLst>
+        </p:cTn>
+      </p:par>
+    </p:tnLst>
+    <p:bldLst>
+      <p:bldP spid="7" grpId="0"/>
+    </p:bldLst>
+  </p:timing>
 </p:sld>
 </file>
 
@@ -5836,7 +8368,7 @@
                 <a:latin typeface="Segoe UI" panose="020B0502040204020203" pitchFamily="34" charset="0"/>
                 <a:cs typeface="Segoe UI" panose="020B0502040204020203" pitchFamily="34" charset="0"/>
               </a:rPr>
-              <a:t>6. </a:t>
+              <a:t>5. </a:t>
             </a:r>
             <a:r>
               <a:rPr lang="en-US" b="1" dirty="0" err="1">
@@ -6704,7 +9236,7 @@
     <a:masterClrMapping/>
   </p:clrMapOvr>
   <p:transition spd="slow">
-    <p:cover/>
+    <p:push dir="u"/>
   </p:transition>
   <p:timing>
     <p:tnLst>
@@ -7370,18 +9902,9 @@
   <p:clrMapOvr>
     <a:masterClrMapping/>
   </p:clrMapOvr>
-  <mc:AlternateContent xmlns:mc="http://schemas.openxmlformats.org/markup-compatibility/2006" xmlns:p14="http://schemas.microsoft.com/office/powerpoint/2010/main">
-    <mc:Choice Requires="p14">
-      <p:transition spd="slow" p14:dur="800">
-        <p:circle/>
-      </p:transition>
-    </mc:Choice>
-    <mc:Fallback xmlns="">
-      <p:transition spd="slow">
-        <p:circle/>
-      </p:transition>
-    </mc:Fallback>
-  </mc:AlternateContent>
+  <p:transition spd="slow">
+    <p:push dir="u"/>
+  </p:transition>
 </p:sld>
 </file>
 
@@ -7454,7 +9977,7 @@
         </p:nvSpPr>
         <p:spPr>
           <a:xfrm>
-            <a:off x="949913" y="2361460"/>
+            <a:off x="949913" y="1992128"/>
             <a:ext cx="1118586" cy="707886"/>
           </a:xfrm>
           <a:prstGeom prst="rect">
@@ -7492,7 +10015,7 @@
         </p:nvSpPr>
         <p:spPr>
           <a:xfrm>
-            <a:off x="1979722" y="2361460"/>
+            <a:off x="1979722" y="1992128"/>
             <a:ext cx="2192784" cy="1077218"/>
           </a:xfrm>
           <a:prstGeom prst="rect">
@@ -7569,7 +10092,7 @@
         </p:nvSpPr>
         <p:spPr>
           <a:xfrm>
-            <a:off x="4971494" y="2361460"/>
+            <a:off x="4971494" y="1992128"/>
             <a:ext cx="1118586" cy="707886"/>
           </a:xfrm>
           <a:prstGeom prst="rect">
@@ -7607,7 +10130,7 @@
         </p:nvSpPr>
         <p:spPr>
           <a:xfrm>
-            <a:off x="6001303" y="2361460"/>
+            <a:off x="6001303" y="1992128"/>
             <a:ext cx="2272684" cy="1077218"/>
           </a:xfrm>
           <a:prstGeom prst="rect">
@@ -7691,7 +10214,7 @@
         </p:nvSpPr>
         <p:spPr>
           <a:xfrm>
-            <a:off x="949913" y="4012706"/>
+            <a:off x="949913" y="3250046"/>
             <a:ext cx="1118586" cy="707886"/>
           </a:xfrm>
           <a:prstGeom prst="rect">
@@ -7729,8 +10252,8 @@
         </p:nvSpPr>
         <p:spPr>
           <a:xfrm>
-            <a:off x="1979722" y="4012706"/>
-            <a:ext cx="2192784" cy="1077218"/>
+            <a:off x="1979722" y="3250046"/>
+            <a:ext cx="2418542" cy="1077218"/>
           </a:xfrm>
           <a:prstGeom prst="rect">
             <a:avLst/>
@@ -7744,53 +10267,11 @@
           <a:lstStyle/>
           <a:p>
             <a:r>
-              <a:rPr lang="en-US" sz="3200" dirty="0" err="1">
+              <a:rPr lang="en-US" sz="3200">
                 <a:latin typeface="Segoe UI Semibold" panose="020B0702040204020203" pitchFamily="34" charset="0"/>
                 <a:cs typeface="Segoe UI Semibold" panose="020B0702040204020203" pitchFamily="34" charset="0"/>
               </a:rPr>
-              <a:t>Cách</a:t>
-            </a:r>
-            <a:r>
-              <a:rPr lang="en-US" sz="3200" dirty="0">
-                <a:latin typeface="Segoe UI Semibold" panose="020B0702040204020203" pitchFamily="34" charset="0"/>
-                <a:cs typeface="Segoe UI Semibold" panose="020B0702040204020203" pitchFamily="34" charset="0"/>
-              </a:rPr>
-              <a:t> </a:t>
-            </a:r>
-            <a:r>
-              <a:rPr lang="en-US" sz="3200" dirty="0" err="1">
-                <a:latin typeface="Segoe UI Semibold" panose="020B0702040204020203" pitchFamily="34" charset="0"/>
-                <a:cs typeface="Segoe UI Semibold" panose="020B0702040204020203" pitchFamily="34" charset="0"/>
-              </a:rPr>
-              <a:t>thức</a:t>
-            </a:r>
-            <a:r>
-              <a:rPr lang="en-US" sz="3200" dirty="0">
-                <a:latin typeface="Segoe UI Semibold" panose="020B0702040204020203" pitchFamily="34" charset="0"/>
-                <a:cs typeface="Segoe UI Semibold" panose="020B0702040204020203" pitchFamily="34" charset="0"/>
-              </a:rPr>
-              <a:t> </a:t>
-            </a:r>
-            <a:r>
-              <a:rPr lang="en-US" sz="3200" dirty="0" err="1">
-                <a:latin typeface="Segoe UI Semibold" panose="020B0702040204020203" pitchFamily="34" charset="0"/>
-                <a:cs typeface="Segoe UI Semibold" panose="020B0702040204020203" pitchFamily="34" charset="0"/>
-              </a:rPr>
-              <a:t>thực</a:t>
-            </a:r>
-            <a:r>
-              <a:rPr lang="en-US" sz="3200" dirty="0">
-                <a:latin typeface="Segoe UI Semibold" panose="020B0702040204020203" pitchFamily="34" charset="0"/>
-                <a:cs typeface="Segoe UI Semibold" panose="020B0702040204020203" pitchFamily="34" charset="0"/>
-              </a:rPr>
-              <a:t> </a:t>
-            </a:r>
-            <a:r>
-              <a:rPr lang="en-US" sz="3200" dirty="0" err="1">
-                <a:latin typeface="Segoe UI Semibold" panose="020B0702040204020203" pitchFamily="34" charset="0"/>
-                <a:cs typeface="Segoe UI Semibold" panose="020B0702040204020203" pitchFamily="34" charset="0"/>
-              </a:rPr>
-              <a:t>hiện</a:t>
+              <a:t>Cách thức thực hiện</a:t>
             </a:r>
             <a:endParaRPr lang="en-US" sz="3200" dirty="0">
               <a:latin typeface="Segoe UI Semibold" panose="020B0702040204020203" pitchFamily="34" charset="0"/>
@@ -7813,7 +10294,7 @@
         </p:nvSpPr>
         <p:spPr>
           <a:xfrm>
-            <a:off x="4971494" y="4012706"/>
+            <a:off x="4971494" y="3250046"/>
             <a:ext cx="1118586" cy="707886"/>
           </a:xfrm>
           <a:prstGeom prst="rect">
@@ -7851,7 +10332,7 @@
         </p:nvSpPr>
         <p:spPr>
           <a:xfrm>
-            <a:off x="6001303" y="4012706"/>
+            <a:off x="6001303" y="3250046"/>
             <a:ext cx="2192784" cy="1077218"/>
           </a:xfrm>
           <a:prstGeom prst="rect">
@@ -7866,39 +10347,91 @@
           <a:lstStyle/>
           <a:p>
             <a:r>
-              <a:rPr lang="en-US" sz="3200" dirty="0" err="1">
+              <a:rPr lang="en-US" sz="3200">
                 <a:latin typeface="Segoe UI Semibold" panose="020B0702040204020203" pitchFamily="34" charset="0"/>
                 <a:cs typeface="Segoe UI Semibold" panose="020B0702040204020203" pitchFamily="34" charset="0"/>
               </a:rPr>
-              <a:t>Hướng</a:t>
-            </a:r>
-            <a:r>
-              <a:rPr lang="en-US" sz="3200" dirty="0">
+              <a:t>Kết quả đạt được</a:t>
+            </a:r>
+            <a:endParaRPr lang="en-US" sz="3200" dirty="0">
+              <a:latin typeface="Segoe UI Semibold" panose="020B0702040204020203" pitchFamily="34" charset="0"/>
+              <a:cs typeface="Segoe UI Semibold" panose="020B0702040204020203" pitchFamily="34" charset="0"/>
+            </a:endParaRPr>
+          </a:p>
+        </p:txBody>
+      </p:sp>
+      <p:sp>
+        <p:nvSpPr>
+          <p:cNvPr id="3" name="TextBox 2">
+            <a:extLst>
+              <a:ext uri="{FF2B5EF4-FFF2-40B4-BE49-F238E27FC236}">
+                <a16:creationId xmlns:a16="http://schemas.microsoft.com/office/drawing/2014/main" id="{B612C2C8-739B-0168-52AC-7E0A2CF555BD}"/>
+              </a:ext>
+            </a:extLst>
+          </p:cNvPr>
+          <p:cNvSpPr txBox="1"/>
+          <p:nvPr/>
+        </p:nvSpPr>
+        <p:spPr>
+          <a:xfrm>
+            <a:off x="949913" y="4507964"/>
+            <a:ext cx="1118586" cy="707886"/>
+          </a:xfrm>
+          <a:prstGeom prst="rect">
+            <a:avLst/>
+          </a:prstGeom>
+          <a:noFill/>
+        </p:spPr>
+        <p:txBody>
+          <a:bodyPr wrap="square" rtlCol="0">
+            <a:spAutoFit/>
+          </a:bodyPr>
+          <a:lstStyle/>
+          <a:p>
+            <a:pPr algn="ctr"/>
+            <a:r>
+              <a:rPr lang="en-US" sz="4000" dirty="0">
+                <a:latin typeface="Hammersmith One" panose="02010703030501060504" pitchFamily="2" charset="0"/>
+              </a:rPr>
+              <a:t>05</a:t>
+            </a:r>
+          </a:p>
+        </p:txBody>
+      </p:sp>
+      <p:sp>
+        <p:nvSpPr>
+          <p:cNvPr id="4" name="TextBox 3">
+            <a:extLst>
+              <a:ext uri="{FF2B5EF4-FFF2-40B4-BE49-F238E27FC236}">
+                <a16:creationId xmlns:a16="http://schemas.microsoft.com/office/drawing/2014/main" id="{021F50DD-2A31-7AAA-E566-F852FC2B0A9C}"/>
+              </a:ext>
+            </a:extLst>
+          </p:cNvPr>
+          <p:cNvSpPr txBox="1"/>
+          <p:nvPr/>
+        </p:nvSpPr>
+        <p:spPr>
+          <a:xfrm>
+            <a:off x="1979722" y="4507964"/>
+            <a:ext cx="2192784" cy="1077218"/>
+          </a:xfrm>
+          <a:prstGeom prst="rect">
+            <a:avLst/>
+          </a:prstGeom>
+          <a:noFill/>
+        </p:spPr>
+        <p:txBody>
+          <a:bodyPr wrap="square" rtlCol="0">
+            <a:spAutoFit/>
+          </a:bodyPr>
+          <a:lstStyle/>
+          <a:p>
+            <a:r>
+              <a:rPr lang="en-US" sz="3200">
                 <a:latin typeface="Segoe UI Semibold" panose="020B0702040204020203" pitchFamily="34" charset="0"/>
                 <a:cs typeface="Segoe UI Semibold" panose="020B0702040204020203" pitchFamily="34" charset="0"/>
               </a:rPr>
-              <a:t> </a:t>
-            </a:r>
-            <a:r>
-              <a:rPr lang="en-US" sz="3200" dirty="0" err="1">
-                <a:latin typeface="Segoe UI Semibold" panose="020B0702040204020203" pitchFamily="34" charset="0"/>
-                <a:cs typeface="Segoe UI Semibold" panose="020B0702040204020203" pitchFamily="34" charset="0"/>
-              </a:rPr>
-              <a:t>phát</a:t>
-            </a:r>
-            <a:r>
-              <a:rPr lang="en-US" sz="3200" dirty="0">
-                <a:latin typeface="Segoe UI Semibold" panose="020B0702040204020203" pitchFamily="34" charset="0"/>
-                <a:cs typeface="Segoe UI Semibold" panose="020B0702040204020203" pitchFamily="34" charset="0"/>
-              </a:rPr>
-              <a:t> </a:t>
-            </a:r>
-            <a:r>
-              <a:rPr lang="en-US" sz="3200" dirty="0" err="1">
-                <a:latin typeface="Segoe UI Semibold" panose="020B0702040204020203" pitchFamily="34" charset="0"/>
-                <a:cs typeface="Segoe UI Semibold" panose="020B0702040204020203" pitchFamily="34" charset="0"/>
-              </a:rPr>
-              <a:t>triển</a:t>
+              <a:t>Hướng phát triển</a:t>
             </a:r>
             <a:endParaRPr lang="en-US" sz="3200" dirty="0">
               <a:latin typeface="Segoe UI Semibold" panose="020B0702040204020203" pitchFamily="34" charset="0"/>
@@ -7918,7 +10451,7 @@
     <a:masterClrMapping/>
   </p:clrMapOvr>
   <p:transition spd="slow">
-    <p:cover/>
+    <p:push dir="u"/>
   </p:transition>
   <p:timing>
     <p:tnLst>
@@ -8280,6 +10813,94 @@
                       </p:childTnLst>
                     </p:cTn>
                   </p:par>
+                  <p:par>
+                    <p:cTn id="35" fill="hold">
+                      <p:stCondLst>
+                        <p:cond delay="indefinite"/>
+                      </p:stCondLst>
+                      <p:childTnLst>
+                        <p:par>
+                          <p:cTn id="36" fill="hold">
+                            <p:stCondLst>
+                              <p:cond delay="0"/>
+                            </p:stCondLst>
+                            <p:childTnLst>
+                              <p:par>
+                                <p:cTn id="37" presetID="10" presetClass="entr" presetSubtype="0" fill="hold" grpId="0" nodeType="clickEffect">
+                                  <p:stCondLst>
+                                    <p:cond delay="0"/>
+                                  </p:stCondLst>
+                                  <p:childTnLst>
+                                    <p:set>
+                                      <p:cBhvr>
+                                        <p:cTn id="38" dur="1" fill="hold">
+                                          <p:stCondLst>
+                                            <p:cond delay="0"/>
+                                          </p:stCondLst>
+                                        </p:cTn>
+                                        <p:tgtEl>
+                                          <p:spTgt spid="3"/>
+                                        </p:tgtEl>
+                                        <p:attrNameLst>
+                                          <p:attrName>style.visibility</p:attrName>
+                                        </p:attrNameLst>
+                                      </p:cBhvr>
+                                      <p:to>
+                                        <p:strVal val="visible"/>
+                                      </p:to>
+                                    </p:set>
+                                    <p:animEffect transition="in" filter="fade">
+                                      <p:cBhvr>
+                                        <p:cTn id="39" dur="500"/>
+                                        <p:tgtEl>
+                                          <p:spTgt spid="3"/>
+                                        </p:tgtEl>
+                                      </p:cBhvr>
+                                    </p:animEffect>
+                                  </p:childTnLst>
+                                </p:cTn>
+                              </p:par>
+                              <p:par>
+                                <p:cTn id="40" presetID="10" presetClass="entr" presetSubtype="0" fill="hold" grpId="0" nodeType="withEffect">
+                                  <p:stCondLst>
+                                    <p:cond delay="0"/>
+                                  </p:stCondLst>
+                                  <p:childTnLst>
+                                    <p:set>
+                                      <p:cBhvr>
+                                        <p:cTn id="41" dur="1" fill="hold">
+                                          <p:stCondLst>
+                                            <p:cond delay="0"/>
+                                          </p:stCondLst>
+                                        </p:cTn>
+                                        <p:tgtEl>
+                                          <p:spTgt spid="4"/>
+                                        </p:tgtEl>
+                                        <p:attrNameLst>
+                                          <p:attrName>style.visibility</p:attrName>
+                                        </p:attrNameLst>
+                                      </p:cBhvr>
+                                      <p:to>
+                                        <p:strVal val="visible"/>
+                                      </p:to>
+                                    </p:set>
+                                    <p:animEffect transition="in" filter="fade">
+                                      <p:cBhvr>
+                                        <p:cTn id="42" dur="500"/>
+                                        <p:tgtEl>
+                                          <p:spTgt spid="4"/>
+                                        </p:tgtEl>
+                                      </p:cBhvr>
+                                    </p:animEffect>
+                                  </p:childTnLst>
+                                </p:cTn>
+                              </p:par>
+                            </p:childTnLst>
+                          </p:cTn>
+                        </p:par>
+                      </p:childTnLst>
+                    </p:cTn>
+                  </p:par>
                 </p:childTnLst>
               </p:cTn>
               <p:prevCondLst>
@@ -8310,6 +10931,8 @@
       <p:bldP spid="27" grpId="0"/>
       <p:bldP spid="28" grpId="0"/>
       <p:bldP spid="29" grpId="0"/>
+      <p:bldP spid="3" grpId="0"/>
+      <p:bldP spid="4" grpId="0"/>
     </p:bldLst>
   </p:timing>
 </p:sld>
@@ -8586,7 +11209,7 @@
     <a:masterClrMapping/>
   </p:clrMapOvr>
   <p:transition spd="slow">
-    <p:cover/>
+    <p:push dir="u"/>
   </p:transition>
   <p:timing>
     <p:tnLst>
@@ -8712,6 +11335,41 @@
                                   </p:childTnLst>
                                 </p:cTn>
                               </p:par>
+                              <p:par>
+                                <p:cTn id="13" presetID="10" presetClass="entr" presetSubtype="0" fill="hold" nodeType="withEffect">
+                                  <p:stCondLst>
+                                    <p:cond delay="0"/>
+                                  </p:stCondLst>
+                                  <p:childTnLst>
+                                    <p:set>
+                                      <p:cBhvr>
+                                        <p:cTn id="14" dur="1" fill="hold">
+                                          <p:stCondLst>
+                                            <p:cond delay="0"/>
+                                          </p:stCondLst>
+                                        </p:cTn>
+                                        <p:tgtEl>
+                                          <p:spTgt spid="5"/>
+                                        </p:tgtEl>
+                                        <p:attrNameLst>
+                                          <p:attrName>style.visibility</p:attrName>
+                                        </p:attrNameLst>
+                                      </p:cBhvr>
+                                      <p:to>
+                                        <p:strVal val="visible"/>
+                                      </p:to>
+                                    </p:set>
+                                    <p:animEffect transition="in" filter="fade">
+                                      <p:cBhvr>
+                                        <p:cTn id="15" dur="500"/>
+                                        <p:tgtEl>
+                                          <p:spTgt spid="5"/>
+                                        </p:tgtEl>
+                                      </p:cBhvr>
+                                    </p:animEffect>
+                                  </p:childTnLst>
+                                </p:cTn>
+                              </p:par>
                             </p:childTnLst>
                           </p:cTn>
                         </p:par>
@@ -8941,11 +11599,14 @@
               </a:rPr>
               <a:t>Các phương pháp đo chiều cao truyền thống để ước tính chiều cao của con người sử dụng phép đo thủ công, tốn thời gian, nhân sự, cũng như lắp đặt dụng cụ, chưa kể có thể có những sai sót</a:t>
             </a:r>
-            <a:endParaRPr lang="en-US" sz="2400" dirty="0">
-              <a:solidFill>
-                <a:schemeClr val="tx1"/>
-              </a:solidFill>
-            </a:endParaRPr>
+            <a:r>
+              <a:rPr lang="en-US" sz="2400" dirty="0">
+                <a:solidFill>
+                  <a:schemeClr val="tx1"/>
+                </a:solidFill>
+              </a:rPr>
+              <a:t>.</a:t>
+            </a:r>
           </a:p>
           <a:p>
             <a:pPr marL="0" indent="0">
@@ -9019,9 +11680,18 @@
   <p:clrMapOvr>
     <a:masterClrMapping/>
   </p:clrMapOvr>
-  <p:transition spd="slow">
-    <p:cover/>
-  </p:transition>
+  <mc:AlternateContent xmlns:mc="http://schemas.openxmlformats.org/markup-compatibility/2006">
+    <mc:Choice xmlns:p159="http://schemas.microsoft.com/office/powerpoint/2015/09/main" Requires="p159">
+      <p:transition xmlns:p14="http://schemas.microsoft.com/office/powerpoint/2010/main" spd="slow" p14:dur="2000">
+        <p159:morph option="byObject"/>
+      </p:transition>
+    </mc:Choice>
+    <mc:Fallback>
+      <p:transition spd="slow">
+        <p:fade/>
+      </p:transition>
+    </mc:Fallback>
+  </mc:AlternateContent>
   <p:timing>
     <p:tnLst>
       <p:par>
@@ -9058,7 +11728,7 @@
                                         <p:tgtEl>
                                           <p:spTgt spid="3">
                                             <p:txEl>
-                                              <p:pRg st="0" end="0"/>
+                                              <p:pRg st="1" end="1"/>
                                             </p:txEl>
                                           </p:spTgt>
                                         </p:tgtEl>
@@ -9076,9 +11746,44 @@
                                         <p:tgtEl>
                                           <p:spTgt spid="3">
                                             <p:txEl>
-                                              <p:pRg st="0" end="0"/>
+                                              <p:pRg st="1" end="1"/>
                                             </p:txEl>
                                           </p:spTgt>
+                                        </p:tgtEl>
+                                      </p:cBhvr>
+                                    </p:animEffect>
+                                  </p:childTnLst>
+                                </p:cTn>
+                              </p:par>
+                              <p:par>
+                                <p:cTn id="8" presetID="10" presetClass="entr" presetSubtype="0" fill="hold" nodeType="withEffect">
+                                  <p:stCondLst>
+                                    <p:cond delay="0"/>
+                                  </p:stCondLst>
+                                  <p:childTnLst>
+                                    <p:set>
+                                      <p:cBhvr>
+                                        <p:cTn id="9" dur="1" fill="hold">
+                                          <p:stCondLst>
+                                            <p:cond delay="0"/>
+                                          </p:stCondLst>
+                                        </p:cTn>
+                                        <p:tgtEl>
+                                          <p:spTgt spid="1026"/>
+                                        </p:tgtEl>
+                                        <p:attrNameLst>
+                                          <p:attrName>style.visibility</p:attrName>
+                                        </p:attrNameLst>
+                                      </p:cBhvr>
+                                      <p:to>
+                                        <p:strVal val="visible"/>
+                                      </p:to>
+                                    </p:set>
+                                    <p:animEffect transition="in" filter="fade">
+                                      <p:cBhvr>
+                                        <p:cTn id="10" dur="500"/>
+                                        <p:tgtEl>
+                                          <p:spTgt spid="1026"/>
                                         </p:tgtEl>
                                       </p:cBhvr>
                                     </p:animEffect>
@@ -9394,7 +12099,23 @@
                   <a:schemeClr val="tx1"/>
                 </a:solidFill>
               </a:rPr>
-              <a:t>Phát triển một ứng dụng dựa trên công nghệ thị giác máy tính để đo chiều cao cơ thể người.</a:t>
+              <a:t>Phát triển một ứng dụng dựa trên</a:t>
+            </a:r>
+            <a:r>
+              <a:rPr lang="en-US" sz="2800" dirty="0">
+                <a:solidFill>
+                  <a:schemeClr val="tx1"/>
+                </a:solidFill>
+              </a:rPr>
+              <a:t> </a:t>
+            </a:r>
+            <a:r>
+              <a:rPr lang="vi-VN" sz="2800" dirty="0">
+                <a:solidFill>
+                  <a:schemeClr val="tx1"/>
+                </a:solidFill>
+              </a:rPr>
+              <a:t>thị giác máy tính để đo chiều cao cơ thể người.</a:t>
             </a:r>
             <a:endParaRPr lang="en-US" sz="2800" dirty="0">
               <a:solidFill>
@@ -9946,6 +12667,128 @@
                       </p:childTnLst>
                     </p:cTn>
                   </p:par>
+                  <p:par>
+                    <p:cTn id="8" fill="hold">
+                      <p:stCondLst>
+                        <p:cond delay="indefinite"/>
+                      </p:stCondLst>
+                      <p:childTnLst>
+                        <p:par>
+                          <p:cTn id="9" fill="hold">
+                            <p:stCondLst>
+                              <p:cond delay="0"/>
+                            </p:stCondLst>
+                            <p:childTnLst>
+                              <p:par>
+                                <p:cTn id="10" presetID="10" presetClass="entr" presetSubtype="0" fill="hold" nodeType="clickEffect">
+                                  <p:stCondLst>
+                                    <p:cond delay="0"/>
+                                  </p:stCondLst>
+                                  <p:childTnLst>
+                                    <p:set>
+                                      <p:cBhvr>
+                                        <p:cTn id="11" dur="1" fill="hold">
+                                          <p:stCondLst>
+                                            <p:cond delay="0"/>
+                                          </p:stCondLst>
+                                        </p:cTn>
+                                        <p:tgtEl>
+                                          <p:spTgt spid="3">
+                                            <p:txEl>
+                                              <p:pRg st="1" end="1"/>
+                                            </p:txEl>
+                                          </p:spTgt>
+                                        </p:tgtEl>
+                                        <p:attrNameLst>
+                                          <p:attrName>style.visibility</p:attrName>
+                                        </p:attrNameLst>
+                                      </p:cBhvr>
+                                      <p:to>
+                                        <p:strVal val="visible"/>
+                                      </p:to>
+                                    </p:set>
+                                    <p:animEffect transition="in" filter="fade">
+                                      <p:cBhvr>
+                                        <p:cTn id="12" dur="500"/>
+                                        <p:tgtEl>
+                                          <p:spTgt spid="3">
+                                            <p:txEl>
+                                              <p:pRg st="1" end="1"/>
+                                            </p:txEl>
+                                          </p:spTgt>
+                                        </p:tgtEl>
+                                      </p:cBhvr>
+                                    </p:animEffect>
+                                  </p:childTnLst>
+                                </p:cTn>
+                              </p:par>
+                            </p:childTnLst>
+                          </p:cTn>
+                        </p:par>
+                      </p:childTnLst>
+                    </p:cTn>
+                  </p:par>
+                  <p:par>
+                    <p:cTn id="13" fill="hold">
+                      <p:stCondLst>
+                        <p:cond delay="indefinite"/>
+                      </p:stCondLst>
+                      <p:childTnLst>
+                        <p:par>
+                          <p:cTn id="14" fill="hold">
+                            <p:stCondLst>
+                              <p:cond delay="0"/>
+                            </p:stCondLst>
+                            <p:childTnLst>
+                              <p:par>
+                                <p:cTn id="15" presetID="10" presetClass="entr" presetSubtype="0" fill="hold" nodeType="clickEffect">
+                                  <p:stCondLst>
+                                    <p:cond delay="0"/>
+                                  </p:stCondLst>
+                                  <p:childTnLst>
+                                    <p:set>
+                                      <p:cBhvr>
+                                        <p:cTn id="16" dur="1" fill="hold">
+                                          <p:stCondLst>
+                                            <p:cond delay="0"/>
+                                          </p:stCondLst>
+                                        </p:cTn>
+                                        <p:tgtEl>
+                                          <p:spTgt spid="3">
+                                            <p:txEl>
+                                              <p:pRg st="2" end="2"/>
+                                            </p:txEl>
+                                          </p:spTgt>
+                                        </p:tgtEl>
+                                        <p:attrNameLst>
+                                          <p:attrName>style.visibility</p:attrName>
+                                        </p:attrNameLst>
+                                      </p:cBhvr>
+                                      <p:to>
+                                        <p:strVal val="visible"/>
+                                      </p:to>
+                                    </p:set>
+                                    <p:animEffect transition="in" filter="fade">
+                                      <p:cBhvr>
+                                        <p:cTn id="17" dur="500"/>
+                                        <p:tgtEl>
+                                          <p:spTgt spid="3">
+                                            <p:txEl>
+                                              <p:pRg st="2" end="2"/>
+                                            </p:txEl>
+                                          </p:spTgt>
+                                        </p:tgtEl>
+                                      </p:cBhvr>
+                                    </p:animEffect>
+                                  </p:childTnLst>
+                                </p:cTn>
+                              </p:par>
+                            </p:childTnLst>
+                          </p:cTn>
+                        </p:par>
+                      </p:childTnLst>
+                    </p:cTn>
+                  </p:par>
                 </p:childTnLst>
               </p:cTn>
               <p:prevCondLst>
@@ -10006,7 +12849,9 @@
         </p:nvSpPr>
         <p:spPr/>
         <p:txBody>
-          <a:bodyPr/>
+          <a:bodyPr>
+            <a:normAutofit fontScale="90000"/>
+          </a:bodyPr>
           <a:lstStyle/>
           <a:p>
             <a:r>
@@ -10021,7 +12866,7 @@
                 <a:latin typeface="Segoe UI" panose="020B0502040204020203" pitchFamily="34" charset="0"/>
                 <a:cs typeface="Segoe UI" panose="020B0502040204020203" pitchFamily="34" charset="0"/>
               </a:rPr>
-              <a:t>Phương</a:t>
+              <a:t>Công</a:t>
             </a:r>
             <a:r>
               <a:rPr lang="en-US" b="1" dirty="0">
@@ -10035,7 +12880,49 @@
                 <a:latin typeface="Segoe UI" panose="020B0502040204020203" pitchFamily="34" charset="0"/>
                 <a:cs typeface="Segoe UI" panose="020B0502040204020203" pitchFamily="34" charset="0"/>
               </a:rPr>
-              <a:t>pháp</a:t>
+              <a:t>nghệ</a:t>
+            </a:r>
+            <a:r>
+              <a:rPr lang="en-US" b="1" dirty="0">
+                <a:latin typeface="Segoe UI" panose="020B0502040204020203" pitchFamily="34" charset="0"/>
+                <a:cs typeface="Segoe UI" panose="020B0502040204020203" pitchFamily="34" charset="0"/>
+              </a:rPr>
+              <a:t> </a:t>
+            </a:r>
+            <a:r>
+              <a:rPr lang="en-US" b="1" dirty="0" err="1">
+                <a:latin typeface="Segoe UI" panose="020B0502040204020203" pitchFamily="34" charset="0"/>
+                <a:cs typeface="Segoe UI" panose="020B0502040204020203" pitchFamily="34" charset="0"/>
+              </a:rPr>
+              <a:t>sử</a:t>
+            </a:r>
+            <a:r>
+              <a:rPr lang="en-US" b="1" dirty="0">
+                <a:latin typeface="Segoe UI" panose="020B0502040204020203" pitchFamily="34" charset="0"/>
+                <a:cs typeface="Segoe UI" panose="020B0502040204020203" pitchFamily="34" charset="0"/>
+              </a:rPr>
+              <a:t> </a:t>
+            </a:r>
+            <a:r>
+              <a:rPr lang="en-US" b="1" dirty="0" err="1">
+                <a:latin typeface="Segoe UI" panose="020B0502040204020203" pitchFamily="34" charset="0"/>
+                <a:cs typeface="Segoe UI" panose="020B0502040204020203" pitchFamily="34" charset="0"/>
+              </a:rPr>
+              <a:t>dụng</a:t>
+            </a:r>
+            <a:r>
+              <a:rPr lang="en-US" b="1" dirty="0">
+                <a:latin typeface="Segoe UI" panose="020B0502040204020203" pitchFamily="34" charset="0"/>
+                <a:cs typeface="Segoe UI" panose="020B0502040204020203" pitchFamily="34" charset="0"/>
+              </a:rPr>
+              <a:t> </a:t>
+            </a:r>
+            <a:r>
+              <a:rPr lang="en-US" b="1" dirty="0" err="1">
+                <a:latin typeface="Segoe UI" panose="020B0502040204020203" pitchFamily="34" charset="0"/>
+                <a:cs typeface="Segoe UI" panose="020B0502040204020203" pitchFamily="34" charset="0"/>
+              </a:rPr>
+              <a:t>chính</a:t>
             </a:r>
             <a:endParaRPr lang="en-US" b="1" dirty="0">
               <a:latin typeface="Segoe UI" panose="020B0502040204020203" pitchFamily="34" charset="0"/>
@@ -10167,10 +13054,46 @@
           </a:p>
         </p:txBody>
       </p:sp>
+      <p:pic>
+        <p:nvPicPr>
+          <p:cNvPr id="3" name="Picture 2" descr="A person walking with a map of lines and numbers&#10;&#10;Description automatically generated">
+            <a:extLst>
+              <a:ext uri="{FF2B5EF4-FFF2-40B4-BE49-F238E27FC236}">
+                <a16:creationId xmlns:a16="http://schemas.microsoft.com/office/drawing/2014/main" id="{2198D4EB-D686-7B41-C062-F8CA2C417F07}"/>
+              </a:ext>
+            </a:extLst>
+          </p:cNvPr>
+          <p:cNvPicPr>
+            <a:picLocks noChangeAspect="1"/>
+          </p:cNvPicPr>
+          <p:nvPr/>
+        </p:nvPicPr>
+        <p:blipFill>
+          <a:blip r:embed="rId3">
+            <a:extLst>
+              <a:ext uri="{28A0092B-C50C-407E-A947-70E740481C1C}">
+                <a14:useLocalDpi xmlns:a14="http://schemas.microsoft.com/office/drawing/2010/main" val="0"/>
+              </a:ext>
+            </a:extLst>
+          </a:blip>
+          <a:stretch>
+            <a:fillRect/>
+          </a:stretch>
+        </p:blipFill>
+        <p:spPr>
+          <a:xfrm>
+            <a:off x="2462022" y="2761120"/>
+            <a:ext cx="3920490" cy="3276818"/>
+          </a:xfrm>
+          <a:prstGeom prst="rect">
+            <a:avLst/>
+          </a:prstGeom>
+        </p:spPr>
+      </p:pic>
     </p:spTree>
     <p:extLst>
       <p:ext uri="{BB962C8B-B14F-4D97-AF65-F5344CB8AC3E}">
-        <p14:creationId xmlns:p14="http://schemas.microsoft.com/office/powerpoint/2010/main" val="245359674"/>
+        <p14:creationId xmlns:p14="http://schemas.microsoft.com/office/powerpoint/2010/main" val="274619567"/>
       </p:ext>
     </p:extLst>
   </p:cSld>
@@ -10178,7 +13101,7 @@
     <a:masterClrMapping/>
   </p:clrMapOvr>
   <p:transition spd="slow">
-    <p:cover/>
+    <p:push dir="u"/>
   </p:transition>
   <p:timing>
     <p:tnLst>
@@ -10192,6 +13115,9 @@
                     <p:cTn id="3" fill="hold">
                       <p:stCondLst>
                         <p:cond delay="indefinite"/>
+                        <p:cond evt="onBegin" delay="0">
+                          <p:tn val="2"/>
+                        </p:cond>
                       </p:stCondLst>
                       <p:childTnLst>
                         <p:par>
@@ -10201,7 +13127,7 @@
                             </p:stCondLst>
                             <p:childTnLst>
                               <p:par>
-                                <p:cTn id="5" presetID="10" presetClass="entr" presetSubtype="0" fill="hold" grpId="0" nodeType="clickEffect">
+                                <p:cTn id="5" presetID="10" presetClass="entr" presetSubtype="0" fill="hold" grpId="0" nodeType="withEffect">
                                   <p:stCondLst>
                                     <p:cond delay="0"/>
                                   </p:stCondLst>
@@ -10229,6 +13155,41 @@
                                         <p:cTn id="7" dur="500"/>
                                         <p:tgtEl>
                                           <p:spTgt spid="6"/>
+                                        </p:tgtEl>
+                                      </p:cBhvr>
+                                    </p:animEffect>
+                                  </p:childTnLst>
+                                </p:cTn>
+                              </p:par>
+                              <p:par>
+                                <p:cTn id="8" presetID="10" presetClass="entr" presetSubtype="0" fill="hold" nodeType="withEffect">
+                                  <p:stCondLst>
+                                    <p:cond delay="0"/>
+                                  </p:stCondLst>
+                                  <p:childTnLst>
+                                    <p:set>
+                                      <p:cBhvr>
+                                        <p:cTn id="9" dur="1" fill="hold">
+                                          <p:stCondLst>
+                                            <p:cond delay="0"/>
+                                          </p:stCondLst>
+                                        </p:cTn>
+                                        <p:tgtEl>
+                                          <p:spTgt spid="3"/>
+                                        </p:tgtEl>
+                                        <p:attrNameLst>
+                                          <p:attrName>style.visibility</p:attrName>
+                                        </p:attrNameLst>
+                                      </p:cBhvr>
+                                      <p:to>
+                                        <p:strVal val="visible"/>
+                                      </p:to>
+                                    </p:set>
+                                    <p:animEffect transition="in" filter="fade">
+                                      <p:cBhvr>
+                                        <p:cTn id="10" dur="500"/>
+                                        <p:tgtEl>
+                                          <p:spTgt spid="3"/>
                                         </p:tgtEl>
                                       </p:cBhvr>
                                     </p:animEffect>
@@ -10304,7 +13265,9 @@
         </p:nvSpPr>
         <p:spPr/>
         <p:txBody>
-          <a:bodyPr/>
+          <a:bodyPr>
+            <a:normAutofit fontScale="90000"/>
+          </a:bodyPr>
           <a:lstStyle/>
           <a:p>
             <a:r>
@@ -10312,7 +13275,7 @@
                 <a:latin typeface="Segoe UI" panose="020B0502040204020203" pitchFamily="34" charset="0"/>
                 <a:cs typeface="Segoe UI" panose="020B0502040204020203" pitchFamily="34" charset="0"/>
               </a:rPr>
-              <a:t>3. </a:t>
+              <a:t>2. </a:t>
             </a:r>
             <a:r>
               <a:rPr lang="en-US" b="1" dirty="0" err="1">
@@ -10362,6 +13325,20 @@
                 <a:cs typeface="Segoe UI" panose="020B0502040204020203" pitchFamily="34" charset="0"/>
               </a:rPr>
               <a:t>dụng</a:t>
+            </a:r>
+            <a:r>
+              <a:rPr lang="en-US" b="1" dirty="0">
+                <a:latin typeface="Segoe UI" panose="020B0502040204020203" pitchFamily="34" charset="0"/>
+                <a:cs typeface="Segoe UI" panose="020B0502040204020203" pitchFamily="34" charset="0"/>
+              </a:rPr>
+              <a:t> </a:t>
+            </a:r>
+            <a:r>
+              <a:rPr lang="en-US" b="1" dirty="0" err="1">
+                <a:latin typeface="Segoe UI" panose="020B0502040204020203" pitchFamily="34" charset="0"/>
+                <a:cs typeface="Segoe UI" panose="020B0502040204020203" pitchFamily="34" charset="0"/>
+              </a:rPr>
+              <a:t>chính</a:t>
             </a:r>
             <a:endParaRPr lang="en-US" b="1" dirty="0">
               <a:latin typeface="Segoe UI" panose="020B0502040204020203" pitchFamily="34" charset="0"/>
@@ -10385,7 +13362,7 @@
         <p:spPr>
           <a:xfrm>
             <a:off x="810529" y="1935252"/>
-            <a:ext cx="4355831" cy="523220"/>
+            <a:ext cx="6010895" cy="523220"/>
           </a:xfrm>
           <a:prstGeom prst="rect">
             <a:avLst/>
@@ -10436,7 +13413,7 @@
                 <a:latin typeface="Segoe UI Semibold" panose="020B0702040204020203" pitchFamily="34" charset="0"/>
                 <a:cs typeface="Segoe UI Semibold" panose="020B0702040204020203" pitchFamily="34" charset="0"/>
               </a:rPr>
-              <a:t>dự</a:t>
+              <a:t>hồi</a:t>
             </a:r>
             <a:r>
               <a:rPr lang="en-US" sz="2800" i="0" dirty="0">
@@ -10452,7 +13429,7 @@
                 <a:latin typeface="Segoe UI Semibold" panose="020B0702040204020203" pitchFamily="34" charset="0"/>
                 <a:cs typeface="Segoe UI Semibold" panose="020B0702040204020203" pitchFamily="34" charset="0"/>
               </a:rPr>
-              <a:t>đoán</a:t>
+              <a:t>quy</a:t>
             </a:r>
             <a:r>
               <a:rPr lang="en-US" sz="2800" i="0" dirty="0">
@@ -10468,7 +13445,7 @@
                 <a:latin typeface="Segoe UI Semibold" panose="020B0702040204020203" pitchFamily="34" charset="0"/>
                 <a:cs typeface="Segoe UI Semibold" panose="020B0702040204020203" pitchFamily="34" charset="0"/>
               </a:rPr>
-              <a:t>tư</a:t>
+              <a:t>tuyến</a:t>
             </a:r>
             <a:r>
               <a:rPr lang="en-US" sz="2800" i="0" dirty="0">
@@ -10484,7 +13461,7 @@
                 <a:latin typeface="Segoe UI Semibold" panose="020B0702040204020203" pitchFamily="34" charset="0"/>
                 <a:cs typeface="Segoe UI Semibold" panose="020B0702040204020203" pitchFamily="34" charset="0"/>
               </a:rPr>
-              <a:t>thế</a:t>
+              <a:t>tính</a:t>
             </a:r>
             <a:endParaRPr lang="en-US" sz="2800" dirty="0">
               <a:latin typeface="Segoe UI Semibold" panose="020B0702040204020203" pitchFamily="34" charset="0"/>
@@ -10495,53 +13472,73 @@
       </p:sp>
       <p:pic>
         <p:nvPicPr>
-          <p:cNvPr id="3" name="Picture 2" descr="A person walking with a map of lines and numbers&#10;&#10;Description automatically generated">
+          <p:cNvPr id="2050" name="Picture 2" descr="Ước lượng hồi quy tuyến tính bằng OLS">
             <a:extLst>
               <a:ext uri="{FF2B5EF4-FFF2-40B4-BE49-F238E27FC236}">
-                <a16:creationId xmlns:a16="http://schemas.microsoft.com/office/drawing/2014/main" id="{2198D4EB-D686-7B41-C062-F8CA2C417F07}"/>
+                <a16:creationId xmlns:a16="http://schemas.microsoft.com/office/drawing/2014/main" id="{7871EBA6-A570-902B-9A95-0EFC82D71CE6}"/>
               </a:ext>
             </a:extLst>
           </p:cNvPr>
           <p:cNvPicPr>
-            <a:picLocks noChangeAspect="1"/>
+            <a:picLocks noChangeAspect="1" noChangeArrowheads="1"/>
           </p:cNvPicPr>
           <p:nvPr/>
         </p:nvPicPr>
         <p:blipFill>
-          <a:blip r:embed="rId2">
+          <a:blip r:embed="rId3">
             <a:extLst>
               <a:ext uri="{28A0092B-C50C-407E-A947-70E740481C1C}">
                 <a14:useLocalDpi xmlns:a14="http://schemas.microsoft.com/office/drawing/2010/main" val="0"/>
               </a:ext>
             </a:extLst>
           </a:blip>
+          <a:srcRect/>
           <a:stretch>
             <a:fillRect/>
           </a:stretch>
         </p:blipFill>
-        <p:spPr>
+        <p:spPr bwMode="auto">
           <a:xfrm>
-            <a:off x="2462022" y="2761120"/>
-            <a:ext cx="3920490" cy="3276818"/>
+            <a:off x="2212658" y="2843336"/>
+            <a:ext cx="4352925" cy="3076575"/>
           </a:xfrm>
           <a:prstGeom prst="rect">
             <a:avLst/>
           </a:prstGeom>
+          <a:noFill/>
+          <a:extLst>
+            <a:ext uri="{909E8E84-426E-40DD-AFC4-6F175D3DCCD1}">
+              <a14:hiddenFill xmlns:a14="http://schemas.microsoft.com/office/drawing/2010/main">
+                <a:solidFill>
+                  <a:srgbClr val="FFFFFF"/>
+                </a:solidFill>
+              </a14:hiddenFill>
+            </a:ext>
+          </a:extLst>
         </p:spPr>
       </p:pic>
     </p:spTree>
     <p:extLst>
       <p:ext uri="{BB962C8B-B14F-4D97-AF65-F5344CB8AC3E}">
-        <p14:creationId xmlns:p14="http://schemas.microsoft.com/office/powerpoint/2010/main" val="274619567"/>
+        <p14:creationId xmlns:p14="http://schemas.microsoft.com/office/powerpoint/2010/main" val="699363354"/>
       </p:ext>
     </p:extLst>
   </p:cSld>
   <p:clrMapOvr>
     <a:masterClrMapping/>
   </p:clrMapOvr>
-  <p:transition spd="slow">
-    <p:cover/>
-  </p:transition>
+  <mc:AlternateContent xmlns:mc="http://schemas.openxmlformats.org/markup-compatibility/2006">
+    <mc:Choice xmlns:p159="http://schemas.microsoft.com/office/powerpoint/2015/09/main" Requires="p159">
+      <p:transition xmlns:p14="http://schemas.microsoft.com/office/powerpoint/2010/main" spd="slow" p14:dur="2000">
+        <p159:morph option="byObject"/>
+      </p:transition>
+    </mc:Choice>
+    <mc:Fallback>
+      <p:transition spd="slow">
+        <p:fade/>
+      </p:transition>
+    </mc:Fallback>
+  </mc:AlternateContent>
   <p:timing>
     <p:tnLst>
       <p:par>
@@ -10554,6 +13551,9 @@
                     <p:cTn id="3" fill="hold">
                       <p:stCondLst>
                         <p:cond delay="indefinite"/>
+                        <p:cond evt="onBegin" delay="0">
+                          <p:tn val="2"/>
+                        </p:cond>
                       </p:stCondLst>
                       <p:childTnLst>
                         <p:par>
@@ -10563,7 +13563,7 @@
                             </p:stCondLst>
                             <p:childTnLst>
                               <p:par>
-                                <p:cTn id="5" presetID="10" presetClass="entr" presetSubtype="0" fill="hold" grpId="0" nodeType="clickEffect">
+                                <p:cTn id="5" presetID="10" presetClass="entr" presetSubtype="0" fill="hold" grpId="0" nodeType="withEffect">
                                   <p:stCondLst>
                                     <p:cond delay="0"/>
                                   </p:stCondLst>
@@ -10591,6 +13591,41 @@
                                         <p:cTn id="7" dur="500"/>
                                         <p:tgtEl>
                                           <p:spTgt spid="6"/>
+                                        </p:tgtEl>
+                                      </p:cBhvr>
+                                    </p:animEffect>
+                                  </p:childTnLst>
+                                </p:cTn>
+                              </p:par>
+                              <p:par>
+                                <p:cTn id="8" presetID="10" presetClass="entr" presetSubtype="0" fill="hold" nodeType="withEffect">
+                                  <p:stCondLst>
+                                    <p:cond delay="0"/>
+                                  </p:stCondLst>
+                                  <p:childTnLst>
+                                    <p:set>
+                                      <p:cBhvr>
+                                        <p:cTn id="9" dur="1" fill="hold">
+                                          <p:stCondLst>
+                                            <p:cond delay="0"/>
+                                          </p:stCondLst>
+                                        </p:cTn>
+                                        <p:tgtEl>
+                                          <p:spTgt spid="2050"/>
+                                        </p:tgtEl>
+                                        <p:attrNameLst>
+                                          <p:attrName>style.visibility</p:attrName>
+                                        </p:attrNameLst>
+                                      </p:cBhvr>
+                                      <p:to>
+                                        <p:strVal val="visible"/>
+                                      </p:to>
+                                    </p:set>
+                                    <p:animEffect transition="in" filter="fade">
+                                      <p:cBhvr>
+                                        <p:cTn id="10" dur="500"/>
+                                        <p:tgtEl>
+                                          <p:spTgt spid="2050"/>
                                         </p:tgtEl>
                                       </p:cBhvr>
                                     </p:animEffect>
@@ -10681,7 +13716,7 @@
                 <a:latin typeface="Segoe UI" panose="020B0502040204020203" pitchFamily="34" charset="0"/>
                 <a:cs typeface="Segoe UI" panose="020B0502040204020203" pitchFamily="34" charset="0"/>
               </a:rPr>
-              <a:t>Công</a:t>
+              <a:t>Cách</a:t>
             </a:r>
             <a:r>
               <a:rPr lang="en-US" b="1" dirty="0">
@@ -10695,7 +13730,7 @@
                 <a:latin typeface="Segoe UI" panose="020B0502040204020203" pitchFamily="34" charset="0"/>
                 <a:cs typeface="Segoe UI" panose="020B0502040204020203" pitchFamily="34" charset="0"/>
               </a:rPr>
-              <a:t>nghệ</a:t>
+              <a:t>thức</a:t>
             </a:r>
             <a:r>
               <a:rPr lang="en-US" b="1" dirty="0">
@@ -10709,7 +13744,7 @@
                 <a:latin typeface="Segoe UI" panose="020B0502040204020203" pitchFamily="34" charset="0"/>
                 <a:cs typeface="Segoe UI" panose="020B0502040204020203" pitchFamily="34" charset="0"/>
               </a:rPr>
-              <a:t>sử</a:t>
+              <a:t>thực</a:t>
             </a:r>
             <a:r>
               <a:rPr lang="en-US" b="1" dirty="0">
@@ -10723,7 +13758,7 @@
                 <a:latin typeface="Segoe UI" panose="020B0502040204020203" pitchFamily="34" charset="0"/>
                 <a:cs typeface="Segoe UI" panose="020B0502040204020203" pitchFamily="34" charset="0"/>
               </a:rPr>
-              <a:t>dụng</a:t>
+              <a:t>hiện</a:t>
             </a:r>
             <a:endParaRPr lang="en-US" b="1" dirty="0">
               <a:latin typeface="Segoe UI" panose="020B0502040204020203" pitchFamily="34" charset="0"/>
@@ -10734,10 +13769,10 @@
       </p:sp>
       <p:sp>
         <p:nvSpPr>
-          <p:cNvPr id="6" name="TextBox 5">
+          <p:cNvPr id="5" name="TextBox 4">
             <a:extLst>
               <a:ext uri="{FF2B5EF4-FFF2-40B4-BE49-F238E27FC236}">
-                <a16:creationId xmlns:a16="http://schemas.microsoft.com/office/drawing/2014/main" id="{60D75BA0-F65E-7F4F-4AA4-C93D356B479F}"/>
+                <a16:creationId xmlns:a16="http://schemas.microsoft.com/office/drawing/2014/main" id="{8D0F4ECE-BBF9-27EE-A15C-137F9782FD52}"/>
               </a:ext>
             </a:extLst>
           </p:cNvPr>
@@ -10746,8 +13781,8 @@
         </p:nvSpPr>
         <p:spPr>
           <a:xfrm>
-            <a:off x="810529" y="1935252"/>
-            <a:ext cx="6010895" cy="523220"/>
+            <a:off x="966920" y="1900127"/>
+            <a:ext cx="4262025" cy="523220"/>
           </a:xfrm>
           <a:prstGeom prst="rect">
             <a:avLst/>
@@ -10761,111 +13796,72 @@
           <a:lstStyle/>
           <a:p>
             <a:r>
-              <a:rPr lang="en-US" sz="2800" i="0" dirty="0" err="1">
-                <a:effectLst/>
-                <a:latin typeface="Segoe UI Semibold" panose="020B0702040204020203" pitchFamily="34" charset="0"/>
-                <a:cs typeface="Segoe UI Semibold" panose="020B0702040204020203" pitchFamily="34" charset="0"/>
-              </a:rPr>
-              <a:t>Mô</a:t>
-            </a:r>
-            <a:r>
-              <a:rPr lang="en-US" sz="2800" i="0" dirty="0">
-                <a:effectLst/>
-                <a:latin typeface="Segoe UI Semibold" panose="020B0702040204020203" pitchFamily="34" charset="0"/>
-                <a:cs typeface="Segoe UI Semibold" panose="020B0702040204020203" pitchFamily="34" charset="0"/>
-              </a:rPr>
-              <a:t> </a:t>
-            </a:r>
-            <a:r>
-              <a:rPr lang="en-US" sz="2800" i="0" dirty="0" err="1">
-                <a:effectLst/>
-                <a:latin typeface="Segoe UI Semibold" panose="020B0702040204020203" pitchFamily="34" charset="0"/>
-                <a:cs typeface="Segoe UI Semibold" panose="020B0702040204020203" pitchFamily="34" charset="0"/>
-              </a:rPr>
-              <a:t>hình</a:t>
-            </a:r>
-            <a:r>
-              <a:rPr lang="en-US" sz="2800" i="0" dirty="0">
-                <a:effectLst/>
-                <a:latin typeface="Segoe UI Semibold" panose="020B0702040204020203" pitchFamily="34" charset="0"/>
-                <a:cs typeface="Segoe UI Semibold" panose="020B0702040204020203" pitchFamily="34" charset="0"/>
-              </a:rPr>
-              <a:t> </a:t>
-            </a:r>
-            <a:r>
-              <a:rPr lang="en-US" sz="2800" i="0" dirty="0" err="1">
-                <a:effectLst/>
-                <a:latin typeface="Segoe UI Semibold" panose="020B0702040204020203" pitchFamily="34" charset="0"/>
-                <a:cs typeface="Segoe UI Semibold" panose="020B0702040204020203" pitchFamily="34" charset="0"/>
-              </a:rPr>
-              <a:t>hồi</a:t>
-            </a:r>
-            <a:r>
-              <a:rPr lang="en-US" sz="2800" i="0" dirty="0">
-                <a:effectLst/>
-                <a:latin typeface="Segoe UI Semibold" panose="020B0702040204020203" pitchFamily="34" charset="0"/>
-                <a:cs typeface="Segoe UI Semibold" panose="020B0702040204020203" pitchFamily="34" charset="0"/>
-              </a:rPr>
-              <a:t> </a:t>
-            </a:r>
-            <a:r>
-              <a:rPr lang="en-US" sz="2800" i="0" dirty="0" err="1">
-                <a:effectLst/>
-                <a:latin typeface="Segoe UI Semibold" panose="020B0702040204020203" pitchFamily="34" charset="0"/>
-                <a:cs typeface="Segoe UI Semibold" panose="020B0702040204020203" pitchFamily="34" charset="0"/>
+              <a:rPr lang="en-US" sz="2800" dirty="0" err="1">
+                <a:latin typeface="Segoe UI" panose="020B0502040204020203" pitchFamily="34" charset="0"/>
+                <a:cs typeface="Segoe UI" panose="020B0502040204020203" pitchFamily="34" charset="0"/>
+              </a:rPr>
+              <a:t>Tổng</a:t>
+            </a:r>
+            <a:r>
+              <a:rPr lang="en-US" sz="2800" dirty="0">
+                <a:latin typeface="Segoe UI" panose="020B0502040204020203" pitchFamily="34" charset="0"/>
+                <a:cs typeface="Segoe UI" panose="020B0502040204020203" pitchFamily="34" charset="0"/>
+              </a:rPr>
+              <a:t> </a:t>
+            </a:r>
+            <a:r>
+              <a:rPr lang="en-US" sz="2800" dirty="0" err="1">
+                <a:latin typeface="Segoe UI" panose="020B0502040204020203" pitchFamily="34" charset="0"/>
+                <a:cs typeface="Segoe UI" panose="020B0502040204020203" pitchFamily="34" charset="0"/>
+              </a:rPr>
+              <a:t>quan</a:t>
+            </a:r>
+            <a:r>
+              <a:rPr lang="en-US" sz="2800" dirty="0">
+                <a:latin typeface="Segoe UI" panose="020B0502040204020203" pitchFamily="34" charset="0"/>
+                <a:cs typeface="Segoe UI" panose="020B0502040204020203" pitchFamily="34" charset="0"/>
+              </a:rPr>
+              <a:t> </a:t>
+            </a:r>
+            <a:r>
+              <a:rPr lang="en-US" sz="2800" dirty="0" err="1">
+                <a:latin typeface="Segoe UI" panose="020B0502040204020203" pitchFamily="34" charset="0"/>
+                <a:cs typeface="Segoe UI" panose="020B0502040204020203" pitchFamily="34" charset="0"/>
               </a:rPr>
               <a:t>quy</a:t>
             </a:r>
             <a:r>
-              <a:rPr lang="en-US" sz="2800" i="0" dirty="0">
-                <a:effectLst/>
-                <a:latin typeface="Segoe UI Semibold" panose="020B0702040204020203" pitchFamily="34" charset="0"/>
-                <a:cs typeface="Segoe UI Semibold" panose="020B0702040204020203" pitchFamily="34" charset="0"/>
-              </a:rPr>
-              <a:t> </a:t>
-            </a:r>
-            <a:r>
-              <a:rPr lang="en-US" sz="2800" i="0" dirty="0" err="1">
-                <a:effectLst/>
-                <a:latin typeface="Segoe UI Semibold" panose="020B0702040204020203" pitchFamily="34" charset="0"/>
-                <a:cs typeface="Segoe UI Semibold" panose="020B0702040204020203" pitchFamily="34" charset="0"/>
-              </a:rPr>
-              <a:t>tuyến</a:t>
-            </a:r>
-            <a:r>
-              <a:rPr lang="en-US" sz="2800" i="0" dirty="0">
-                <a:effectLst/>
-                <a:latin typeface="Segoe UI Semibold" panose="020B0702040204020203" pitchFamily="34" charset="0"/>
-                <a:cs typeface="Segoe UI Semibold" panose="020B0702040204020203" pitchFamily="34" charset="0"/>
-              </a:rPr>
-              <a:t> </a:t>
-            </a:r>
-            <a:r>
-              <a:rPr lang="en-US" sz="2800" i="0" dirty="0" err="1">
-                <a:effectLst/>
-                <a:latin typeface="Segoe UI Semibold" panose="020B0702040204020203" pitchFamily="34" charset="0"/>
-                <a:cs typeface="Segoe UI Semibold" panose="020B0702040204020203" pitchFamily="34" charset="0"/>
-              </a:rPr>
-              <a:t>tính</a:t>
+              <a:rPr lang="en-US" sz="2800" dirty="0">
+                <a:latin typeface="Segoe UI" panose="020B0502040204020203" pitchFamily="34" charset="0"/>
+                <a:cs typeface="Segoe UI" panose="020B0502040204020203" pitchFamily="34" charset="0"/>
+              </a:rPr>
+              <a:t> </a:t>
+            </a:r>
+            <a:r>
+              <a:rPr lang="en-US" sz="2800" dirty="0" err="1">
+                <a:latin typeface="Segoe UI" panose="020B0502040204020203" pitchFamily="34" charset="0"/>
+                <a:cs typeface="Segoe UI" panose="020B0502040204020203" pitchFamily="34" charset="0"/>
+              </a:rPr>
+              <a:t>trình</a:t>
             </a:r>
             <a:endParaRPr lang="en-US" sz="2800" dirty="0">
-              <a:latin typeface="Segoe UI Semibold" panose="020B0702040204020203" pitchFamily="34" charset="0"/>
-              <a:cs typeface="Segoe UI Semibold" panose="020B0702040204020203" pitchFamily="34" charset="0"/>
+              <a:latin typeface="Segoe UI" panose="020B0502040204020203" pitchFamily="34" charset="0"/>
+              <a:cs typeface="Segoe UI" panose="020B0502040204020203" pitchFamily="34" charset="0"/>
             </a:endParaRPr>
           </a:p>
         </p:txBody>
       </p:sp>
       <p:pic>
         <p:nvPicPr>
-          <p:cNvPr id="2050" name="Picture 2" descr="Ước lượng hồi quy tuyến tính bằng OLS">
+          <p:cNvPr id="3" name="Picture 2">
             <a:extLst>
               <a:ext uri="{FF2B5EF4-FFF2-40B4-BE49-F238E27FC236}">
-                <a16:creationId xmlns:a16="http://schemas.microsoft.com/office/drawing/2014/main" id="{7871EBA6-A570-902B-9A95-0EFC82D71CE6}"/>
+                <a16:creationId xmlns:a16="http://schemas.microsoft.com/office/drawing/2014/main" id="{CDE3440B-93AD-179C-8C6E-8C9563D3AD95}"/>
               </a:ext>
             </a:extLst>
           </p:cNvPr>
           <p:cNvPicPr>
-            <a:picLocks noChangeAspect="1" noChangeArrowheads="1"/>
+            <a:picLocks noChangeAspect="1"/>
           </p:cNvPicPr>
           <p:nvPr/>
         </p:nvPicPr>
@@ -10884,28 +13880,22 @@
         </p:blipFill>
         <p:spPr bwMode="auto">
           <a:xfrm>
-            <a:off x="2212658" y="2843336"/>
-            <a:ext cx="4352925" cy="3076575"/>
+            <a:off x="404622" y="3429000"/>
+            <a:ext cx="8334756" cy="968438"/>
           </a:xfrm>
           <a:prstGeom prst="rect">
             <a:avLst/>
           </a:prstGeom>
           <a:noFill/>
-          <a:extLst>
-            <a:ext uri="{909E8E84-426E-40DD-AFC4-6F175D3DCCD1}">
-              <a14:hiddenFill xmlns:a14="http://schemas.microsoft.com/office/drawing/2010/main">
-                <a:solidFill>
-                  <a:srgbClr val="FFFFFF"/>
-                </a:solidFill>
-              </a14:hiddenFill>
-            </a:ext>
-          </a:extLst>
+          <a:ln>
+            <a:noFill/>
+          </a:ln>
         </p:spPr>
       </p:pic>
     </p:spTree>
     <p:extLst>
       <p:ext uri="{BB962C8B-B14F-4D97-AF65-F5344CB8AC3E}">
-        <p14:creationId xmlns:p14="http://schemas.microsoft.com/office/powerpoint/2010/main" val="699363354"/>
+        <p14:creationId xmlns:p14="http://schemas.microsoft.com/office/powerpoint/2010/main" val="715040748"/>
       </p:ext>
     </p:extLst>
   </p:cSld>
@@ -10913,7 +13903,7 @@
     <a:masterClrMapping/>
   </p:clrMapOvr>
   <p:transition spd="slow">
-    <p:cover/>
+    <p:push dir="u"/>
   </p:transition>
   <p:timing>
     <p:tnLst>
@@ -10927,6 +13917,9 @@
                     <p:cTn id="3" fill="hold">
                       <p:stCondLst>
                         <p:cond delay="indefinite"/>
+                        <p:cond evt="onBegin" delay="0">
+                          <p:tn val="2"/>
+                        </p:cond>
                       </p:stCondLst>
                       <p:childTnLst>
                         <p:par>
@@ -10936,7 +13929,7 @@
                             </p:stCondLst>
                             <p:childTnLst>
                               <p:par>
-                                <p:cTn id="5" presetID="10" presetClass="entr" presetSubtype="0" fill="hold" grpId="0" nodeType="clickEffect">
+                                <p:cTn id="5" presetID="10" presetClass="entr" presetSubtype="0" fill="hold" grpId="0" nodeType="withEffect">
                                   <p:stCondLst>
                                     <p:cond delay="0"/>
                                   </p:stCondLst>
@@ -10949,7 +13942,7 @@
                                           </p:stCondLst>
                                         </p:cTn>
                                         <p:tgtEl>
-                                          <p:spTgt spid="6"/>
+                                          <p:spTgt spid="5"/>
                                         </p:tgtEl>
                                         <p:attrNameLst>
                                           <p:attrName>style.visibility</p:attrName>
@@ -10963,7 +13956,60 @@
                                       <p:cBhvr>
                                         <p:cTn id="7" dur="500"/>
                                         <p:tgtEl>
-                                          <p:spTgt spid="6"/>
+                                          <p:spTgt spid="5"/>
+                                        </p:tgtEl>
+                                      </p:cBhvr>
+                                    </p:animEffect>
+                                  </p:childTnLst>
+                                </p:cTn>
+                              </p:par>
+                            </p:childTnLst>
+                          </p:cTn>
+                        </p:par>
+                      </p:childTnLst>
+                    </p:cTn>
+                  </p:par>
+                  <p:par>
+                    <p:cTn id="8" fill="hold">
+                      <p:stCondLst>
+                        <p:cond delay="indefinite"/>
+                      </p:stCondLst>
+                      <p:childTnLst>
+                        <p:par>
+                          <p:cTn id="9" fill="hold">
+                            <p:stCondLst>
+                              <p:cond delay="0"/>
+                            </p:stCondLst>
+                            <p:childTnLst>
+                              <p:par>
+                                <p:cTn id="10" presetID="10" presetClass="entr" presetSubtype="0" fill="hold" nodeType="clickEffect">
+                                  <p:stCondLst>
+                                    <p:cond delay="0"/>
+                                  </p:stCondLst>
+                                  <p:childTnLst>
+                                    <p:set>
+                                      <p:cBhvr>
+                                        <p:cTn id="11" dur="1" fill="hold">
+                                          <p:stCondLst>
+                                            <p:cond delay="0"/>
+                                          </p:stCondLst>
+                                        </p:cTn>
+                                        <p:tgtEl>
+                                          <p:spTgt spid="3"/>
+                                        </p:tgtEl>
+                                        <p:attrNameLst>
+                                          <p:attrName>style.visibility</p:attrName>
+                                        </p:attrNameLst>
+                                      </p:cBhvr>
+                                      <p:to>
+                                        <p:strVal val="visible"/>
+                                      </p:to>
+                                    </p:set>
+                                    <p:animEffect transition="in" filter="fade">
+                                      <p:cBhvr>
+                                        <p:cTn id="12" dur="500"/>
+                                        <p:tgtEl>
+                                          <p:spTgt spid="3"/>
                                         </p:tgtEl>
                                       </p:cBhvr>
                                     </p:animEffect>
@@ -10998,7 +14044,7 @@
       </p:par>
     </p:tnLst>
     <p:bldLst>
-      <p:bldP spid="6" grpId="0"/>
+      <p:bldP spid="5" grpId="0"/>
     </p:bldLst>
   </p:timing>
 </p:sld>
@@ -11047,7 +14093,7 @@
                 <a:latin typeface="Segoe UI" panose="020B0502040204020203" pitchFamily="34" charset="0"/>
                 <a:cs typeface="Segoe UI" panose="020B0502040204020203" pitchFamily="34" charset="0"/>
               </a:rPr>
-              <a:t>4. </a:t>
+              <a:t>3. </a:t>
             </a:r>
             <a:r>
               <a:rPr lang="en-US" b="1" dirty="0" err="1">
@@ -11236,13 +14282,7 @@
           <p:cNvGraphicFramePr>
             <a:graphicFrameLocks noChangeAspect="1"/>
           </p:cNvGraphicFramePr>
-          <p:nvPr>
-            <p:extLst>
-              <p:ext uri="{D42A27DB-BD31-4B8C-83A1-F6EECF244321}">
-                <p14:modId xmlns:p14="http://schemas.microsoft.com/office/powerpoint/2010/main" val="569502293"/>
-              </p:ext>
-            </p:extLst>
-          </p:nvPr>
+          <p:nvPr/>
         </p:nvGraphicFramePr>
         <p:xfrm>
           <a:off x="639322" y="2932741"/>
@@ -11252,21 +14292,27 @@
           <a:graphicData uri="http://schemas.openxmlformats.org/presentationml/2006/ole">
             <mc:AlternateContent xmlns:mc="http://schemas.openxmlformats.org/markup-compatibility/2006">
               <mc:Choice xmlns:v="urn:schemas-microsoft-com:vml" Requires="v">
-                <p:oleObj r:id="rId2" imgW="5730524" imgH="4481934" progId="">
+                <p:oleObj r:id="rId3" imgW="5730524" imgH="4481934" progId="">
                   <p:embed/>
                 </p:oleObj>
               </mc:Choice>
               <mc:Fallback>
-                <p:oleObj r:id="rId2" imgW="5730524" imgH="4481934" progId="">
+                <p:oleObj r:id="rId3" imgW="5730524" imgH="4481934" progId="">
                   <p:embed/>
                   <p:pic>
                     <p:nvPicPr>
-                      <p:cNvPr id="0" name=""/>
+                      <p:cNvPr id="16" name="Object 15">
+                        <a:extLst>
+                          <a:ext uri="{FF2B5EF4-FFF2-40B4-BE49-F238E27FC236}">
+                            <a16:creationId xmlns:a16="http://schemas.microsoft.com/office/drawing/2014/main" id="{FD2689FF-D54D-A341-76DC-82A84D435D6F}"/>
+                          </a:ext>
+                        </a:extLst>
+                      </p:cNvPr>
                       <p:cNvPicPr/>
                       <p:nvPr/>
                     </p:nvPicPr>
                     <p:blipFill>
-                      <a:blip r:embed="rId3"/>
+                      <a:blip r:embed="rId4"/>
                       <a:stretch>
                         <a:fillRect/>
                       </a:stretch>
@@ -11302,7 +14348,7 @@
           <p:nvPr/>
         </p:nvPicPr>
         <p:blipFill rotWithShape="1">
-          <a:blip r:embed="rId4"/>
+          <a:blip r:embed="rId5"/>
           <a:srcRect l="39849"/>
           <a:stretch/>
         </p:blipFill>
@@ -11319,16 +14365,25 @@
     </p:spTree>
     <p:extLst>
       <p:ext uri="{BB962C8B-B14F-4D97-AF65-F5344CB8AC3E}">
-        <p14:creationId xmlns:p14="http://schemas.microsoft.com/office/powerpoint/2010/main" val="715040748"/>
+        <p14:creationId xmlns:p14="http://schemas.microsoft.com/office/powerpoint/2010/main" val="2930809681"/>
       </p:ext>
     </p:extLst>
   </p:cSld>
   <p:clrMapOvr>
     <a:masterClrMapping/>
   </p:clrMapOvr>
-  <p:transition spd="slow">
-    <p:cover/>
-  </p:transition>
+  <mc:AlternateContent xmlns:mc="http://schemas.openxmlformats.org/markup-compatibility/2006">
+    <mc:Choice xmlns:p159="http://schemas.microsoft.com/office/powerpoint/2015/09/main" Requires="p159">
+      <p:transition xmlns:p14="http://schemas.microsoft.com/office/powerpoint/2010/main" spd="slow" p14:dur="2000">
+        <p159:morph option="byObject"/>
+      </p:transition>
+    </mc:Choice>
+    <mc:Fallback>
+      <p:transition spd="slow">
+        <p:fade/>
+      </p:transition>
+    </mc:Fallback>
+  </mc:AlternateContent>
   <p:timing>
     <p:tnLst>
       <p:par>
@@ -11341,6 +14396,9 @@
                     <p:cTn id="3" fill="hold">
                       <p:stCondLst>
                         <p:cond delay="indefinite"/>
+                        <p:cond evt="onBegin" delay="0">
+                          <p:tn val="2"/>
+                        </p:cond>
                       </p:stCondLst>
                       <p:childTnLst>
                         <p:par>
@@ -11350,7 +14408,7 @@
                             </p:stCondLst>
                             <p:childTnLst>
                               <p:par>
-                                <p:cTn id="5" presetID="10" presetClass="entr" presetSubtype="0" fill="hold" grpId="0" nodeType="clickEffect">
+                                <p:cTn id="5" presetID="10" presetClass="entr" presetSubtype="0" fill="hold" grpId="0" nodeType="withEffect">
                                   <p:stCondLst>
                                     <p:cond delay="0"/>
                                   </p:stCondLst>
@@ -11378,6 +14436,112 @@
                                         <p:cTn id="7" dur="500"/>
                                         <p:tgtEl>
                                           <p:spTgt spid="5"/>
+                                        </p:tgtEl>
+                                      </p:cBhvr>
+                                    </p:animEffect>
+                                  </p:childTnLst>
+                                </p:cTn>
+                              </p:par>
+                            </p:childTnLst>
+                          </p:cTn>
+                        </p:par>
+                      </p:childTnLst>
+                    </p:cTn>
+                  </p:par>
+                  <p:par>
+                    <p:cTn id="8" fill="hold">
+                      <p:stCondLst>
+                        <p:cond delay="indefinite"/>
+                      </p:stCondLst>
+                      <p:childTnLst>
+                        <p:par>
+                          <p:cTn id="9" fill="hold">
+                            <p:stCondLst>
+                              <p:cond delay="0"/>
+                            </p:stCondLst>
+                            <p:childTnLst>
+                              <p:par>
+                                <p:cTn id="10" presetID="10" presetClass="entr" presetSubtype="0" fill="hold" nodeType="clickEffect">
+                                  <p:stCondLst>
+                                    <p:cond delay="0"/>
+                                  </p:stCondLst>
+                                  <p:childTnLst>
+                                    <p:set>
+                                      <p:cBhvr>
+                                        <p:cTn id="11" dur="1" fill="hold">
+                                          <p:stCondLst>
+                                            <p:cond delay="0"/>
+                                          </p:stCondLst>
+                                        </p:cTn>
+                                        <p:tgtEl>
+                                          <p:spTgt spid="16"/>
+                                        </p:tgtEl>
+                                        <p:attrNameLst>
+                                          <p:attrName>style.visibility</p:attrName>
+                                        </p:attrNameLst>
+                                      </p:cBhvr>
+                                      <p:to>
+                                        <p:strVal val="visible"/>
+                                      </p:to>
+                                    </p:set>
+                                    <p:animEffect transition="in" filter="fade">
+                                      <p:cBhvr>
+                                        <p:cTn id="12" dur="500"/>
+                                        <p:tgtEl>
+                                          <p:spTgt spid="16"/>
+                                        </p:tgtEl>
+                                      </p:cBhvr>
+                                    </p:animEffect>
+                                  </p:childTnLst>
+                                </p:cTn>
+                              </p:par>
+                            </p:childTnLst>
+                          </p:cTn>
+                        </p:par>
+                      </p:childTnLst>
+                    </p:cTn>
+                  </p:par>
+                  <p:par>
+                    <p:cTn id="13" fill="hold">
+                      <p:stCondLst>
+                        <p:cond delay="indefinite"/>
+                      </p:stCondLst>
+                      <p:childTnLst>
+                        <p:par>
+                          <p:cTn id="14" fill="hold">
+                            <p:stCondLst>
+                              <p:cond delay="0"/>
+                            </p:stCondLst>
+                            <p:childTnLst>
+                              <p:par>
+                                <p:cTn id="15" presetID="10" presetClass="entr" presetSubtype="0" fill="hold" nodeType="clickEffect">
+                                  <p:stCondLst>
+                                    <p:cond delay="0"/>
+                                  </p:stCondLst>
+                                  <p:childTnLst>
+                                    <p:set>
+                                      <p:cBhvr>
+                                        <p:cTn id="16" dur="1" fill="hold">
+                                          <p:stCondLst>
+                                            <p:cond delay="0"/>
+                                          </p:stCondLst>
+                                        </p:cTn>
+                                        <p:tgtEl>
+                                          <p:spTgt spid="17"/>
+                                        </p:tgtEl>
+                                        <p:attrNameLst>
+                                          <p:attrName>style.visibility</p:attrName>
+                                        </p:attrNameLst>
+                                      </p:cBhvr>
+                                      <p:to>
+                                        <p:strVal val="visible"/>
+                                      </p:to>
+                                    </p:set>
+                                    <p:animEffect transition="in" filter="fade">
+                                      <p:cBhvr>
+                                        <p:cTn id="17" dur="500"/>
+                                        <p:tgtEl>
+                                          <p:spTgt spid="17"/>
                                         </p:tgtEl>
                                       </p:cBhvr>
                                     </p:animEffect>
@@ -11699,4 +14863,319 @@
     </a:ext>
   </a:extLst>
 </a:theme>
+</file>
+
+<file path=ppt/theme/theme2.xml><?xml version="1.0" encoding="utf-8"?>
+<a:theme xmlns:a="http://schemas.openxmlformats.org/drawingml/2006/main" name="Office Theme">
+  <a:themeElements>
+    <a:clrScheme name="Office">
+      <a:dk1>
+        <a:sysClr val="windowText" lastClr="000000"/>
+      </a:dk1>
+      <a:lt1>
+        <a:sysClr val="window" lastClr="FFFFFF"/>
+      </a:lt1>
+      <a:dk2>
+        <a:srgbClr val="0E2841"/>
+      </a:dk2>
+      <a:lt2>
+        <a:srgbClr val="E8E8E8"/>
+      </a:lt2>
+      <a:accent1>
+        <a:srgbClr val="156082"/>
+      </a:accent1>
+      <a:accent2>
+        <a:srgbClr val="E97132"/>
+      </a:accent2>
+      <a:accent3>
+        <a:srgbClr val="196B24"/>
+      </a:accent3>
+      <a:accent4>
+        <a:srgbClr val="0F9ED5"/>
+      </a:accent4>
+      <a:accent5>
+        <a:srgbClr val="A02B93"/>
+      </a:accent5>
+      <a:accent6>
+        <a:srgbClr val="4EA72E"/>
+      </a:accent6>
+      <a:hlink>
+        <a:srgbClr val="467886"/>
+      </a:hlink>
+      <a:folHlink>
+        <a:srgbClr val="96607D"/>
+      </a:folHlink>
+    </a:clrScheme>
+    <a:fontScheme name="Office">
+      <a:majorFont>
+        <a:latin typeface="Aptos Display" panose="02110004020202020204"/>
+        <a:ea typeface=""/>
+        <a:cs typeface=""/>
+        <a:font script="Jpan" typeface="游ゴシック Light"/>
+        <a:font script="Hang" typeface="맑은 고딕"/>
+        <a:font script="Hans" typeface="等线 Light"/>
+        <a:font script="Hant" typeface="新細明體"/>
+        <a:font script="Arab" typeface="Times New Roman"/>
+        <a:font script="Hebr" typeface="Times New Roman"/>
+        <a:font script="Thai" typeface="Angsana New"/>
+        <a:font script="Ethi" typeface="Nyala"/>
+        <a:font script="Beng" typeface="Vrinda"/>
+        <a:font script="Gujr" typeface="Shruti"/>
+        <a:font script="Khmr" typeface="MoolBoran"/>
+        <a:font script="Knda" typeface="Tunga"/>
+        <a:font script="Guru" typeface="Raavi"/>
+        <a:font script="Cans" typeface="Euphemia"/>
+        <a:font script="Cher" typeface="Plantagenet Cherokee"/>
+        <a:font script="Yiii" typeface="Microsoft Yi Baiti"/>
+        <a:font script="Tibt" typeface="Microsoft Himalaya"/>
+        <a:font script="Thaa" typeface="MV Boli"/>
+        <a:font script="Deva" typeface="Mangal"/>
+        <a:font script="Telu" typeface="Gautami"/>
+        <a:font script="Taml" typeface="Latha"/>
+        <a:font script="Syrc" typeface="Estrangelo Edessa"/>
+        <a:font script="Orya" typeface="Kalinga"/>
+        <a:font script="Mlym" typeface="Kartika"/>
+        <a:font script="Laoo" typeface="DokChampa"/>
+        <a:font script="Sinh" typeface="Iskoola Pota"/>
+        <a:font script="Mong" typeface="Mongolian Baiti"/>
+        <a:font script="Viet" typeface="Times New Roman"/>
+        <a:font script="Uigh" typeface="Microsoft Uighur"/>
+        <a:font script="Geor" typeface="Sylfaen"/>
+        <a:font script="Armn" typeface="Arial"/>
+        <a:font script="Bugi" typeface="Leelawadee UI"/>
+        <a:font script="Bopo" typeface="Microsoft JhengHei"/>
+        <a:font script="Java" typeface="Javanese Text"/>
+        <a:font script="Lisu" typeface="Segoe UI"/>
+        <a:font script="Mymr" typeface="Myanmar Text"/>
+        <a:font script="Nkoo" typeface="Ebrima"/>
+        <a:font script="Olck" typeface="Nirmala UI"/>
+        <a:font script="Osma" typeface="Ebrima"/>
+        <a:font script="Phag" typeface="Phagspa"/>
+        <a:font script="Syrn" typeface="Estrangelo Edessa"/>
+        <a:font script="Syrj" typeface="Estrangelo Edessa"/>
+        <a:font script="Syre" typeface="Estrangelo Edessa"/>
+        <a:font script="Sora" typeface="Nirmala UI"/>
+        <a:font script="Tale" typeface="Microsoft Tai Le"/>
+        <a:font script="Talu" typeface="Microsoft New Tai Lue"/>
+        <a:font script="Tfng" typeface="Ebrima"/>
+      </a:majorFont>
+      <a:minorFont>
+        <a:latin typeface="Aptos" panose="02110004020202020204"/>
+        <a:ea typeface=""/>
+        <a:cs typeface=""/>
+        <a:font script="Jpan" typeface="游ゴシック"/>
+        <a:font script="Hang" typeface="맑은 고딕"/>
+        <a:font script="Hans" typeface="等线"/>
+        <a:font script="Hant" typeface="新細明體"/>
+        <a:font script="Arab" typeface="Arial"/>
+        <a:font script="Hebr" typeface="Arial"/>
+        <a:font script="Thai" typeface="Cordia New"/>
+        <a:font script="Ethi" typeface="Nyala"/>
+        <a:font script="Beng" typeface="Vrinda"/>
+        <a:font script="Gujr" typeface="Shruti"/>
+        <a:font script="Khmr" typeface="DaunPenh"/>
+        <a:font script="Knda" typeface="Tunga"/>
+        <a:font script="Guru" typeface="Raavi"/>
+        <a:font script="Cans" typeface="Euphemia"/>
+        <a:font script="Cher" typeface="Plantagenet Cherokee"/>
+        <a:font script="Yiii" typeface="Microsoft Yi Baiti"/>
+        <a:font script="Tibt" typeface="Microsoft Himalaya"/>
+        <a:font script="Thaa" typeface="MV Boli"/>
+        <a:font script="Deva" typeface="Mangal"/>
+        <a:font script="Telu" typeface="Gautami"/>
+        <a:font script="Taml" typeface="Latha"/>
+        <a:font script="Syrc" typeface="Estrangelo Edessa"/>
+        <a:font script="Orya" typeface="Kalinga"/>
+        <a:font script="Mlym" typeface="Kartika"/>
+        <a:font script="Laoo" typeface="DokChampa"/>
+        <a:font script="Sinh" typeface="Iskoola Pota"/>
+        <a:font script="Mong" typeface="Mongolian Baiti"/>
+        <a:font script="Viet" typeface="Arial"/>
+        <a:font script="Uigh" typeface="Microsoft Uighur"/>
+        <a:font script="Geor" typeface="Sylfaen"/>
+        <a:font script="Armn" typeface="Arial"/>
+        <a:font script="Bugi" typeface="Leelawadee UI"/>
+        <a:font script="Bopo" typeface="Microsoft JhengHei"/>
+        <a:font script="Java" typeface="Javanese Text"/>
+        <a:font script="Lisu" typeface="Segoe UI"/>
+        <a:font script="Mymr" typeface="Myanmar Text"/>
+        <a:font script="Nkoo" typeface="Ebrima"/>
+        <a:font script="Olck" typeface="Nirmala UI"/>
+        <a:font script="Osma" typeface="Ebrima"/>
+        <a:font script="Phag" typeface="Phagspa"/>
+        <a:font script="Syrn" typeface="Estrangelo Edessa"/>
+        <a:font script="Syrj" typeface="Estrangelo Edessa"/>
+        <a:font script="Syre" typeface="Estrangelo Edessa"/>
+        <a:font script="Sora" typeface="Nirmala UI"/>
+        <a:font script="Tale" typeface="Microsoft Tai Le"/>
+        <a:font script="Talu" typeface="Microsoft New Tai Lue"/>
+        <a:font script="Tfng" typeface="Ebrima"/>
+      </a:minorFont>
+    </a:fontScheme>
+    <a:fmtScheme name="Office">
+      <a:fillStyleLst>
+        <a:solidFill>
+          <a:schemeClr val="phClr"/>
+        </a:solidFill>
+        <a:gradFill rotWithShape="1">
+          <a:gsLst>
+            <a:gs pos="0">
+              <a:schemeClr val="phClr">
+                <a:lumMod val="110000"/>
+                <a:satMod val="105000"/>
+                <a:tint val="67000"/>
+              </a:schemeClr>
+            </a:gs>
+            <a:gs pos="50000">
+              <a:schemeClr val="phClr">
+                <a:lumMod val="105000"/>
+                <a:satMod val="103000"/>
+                <a:tint val="73000"/>
+              </a:schemeClr>
+            </a:gs>
+            <a:gs pos="100000">
+              <a:schemeClr val="phClr">
+                <a:lumMod val="105000"/>
+                <a:satMod val="109000"/>
+                <a:tint val="81000"/>
+              </a:schemeClr>
+            </a:gs>
+          </a:gsLst>
+          <a:lin ang="5400000" scaled="0"/>
+        </a:gradFill>
+        <a:gradFill rotWithShape="1">
+          <a:gsLst>
+            <a:gs pos="0">
+              <a:schemeClr val="phClr">
+                <a:satMod val="103000"/>
+                <a:lumMod val="102000"/>
+                <a:tint val="94000"/>
+              </a:schemeClr>
+            </a:gs>
+            <a:gs pos="50000">
+              <a:schemeClr val="phClr">
+                <a:satMod val="110000"/>
+                <a:lumMod val="100000"/>
+                <a:shade val="100000"/>
+              </a:schemeClr>
+            </a:gs>
+            <a:gs pos="100000">
+              <a:schemeClr val="phClr">
+                <a:lumMod val="99000"/>
+                <a:satMod val="120000"/>
+                <a:shade val="78000"/>
+              </a:schemeClr>
+            </a:gs>
+          </a:gsLst>
+          <a:lin ang="5400000" scaled="0"/>
+        </a:gradFill>
+      </a:fillStyleLst>
+      <a:lnStyleLst>
+        <a:ln w="12700" cap="flat" cmpd="sng" algn="ctr">
+          <a:solidFill>
+            <a:schemeClr val="phClr"/>
+          </a:solidFill>
+          <a:prstDash val="solid"/>
+          <a:miter lim="800000"/>
+        </a:ln>
+        <a:ln w="19050" cap="flat" cmpd="sng" algn="ctr">
+          <a:solidFill>
+            <a:schemeClr val="phClr"/>
+          </a:solidFill>
+          <a:prstDash val="solid"/>
+          <a:miter lim="800000"/>
+        </a:ln>
+        <a:ln w="25400" cap="flat" cmpd="sng" algn="ctr">
+          <a:solidFill>
+            <a:schemeClr val="phClr"/>
+          </a:solidFill>
+          <a:prstDash val="solid"/>
+          <a:miter lim="800000"/>
+        </a:ln>
+      </a:lnStyleLst>
+      <a:effectStyleLst>
+        <a:effectStyle>
+          <a:effectLst/>
+        </a:effectStyle>
+        <a:effectStyle>
+          <a:effectLst/>
+        </a:effectStyle>
+        <a:effectStyle>
+          <a:effectLst>
+            <a:outerShdw blurRad="57150" dist="19050" dir="5400000" algn="ctr" rotWithShape="0">
+              <a:srgbClr val="000000">
+                <a:alpha val="63000"/>
+              </a:srgbClr>
+            </a:outerShdw>
+          </a:effectLst>
+        </a:effectStyle>
+      </a:effectStyleLst>
+      <a:bgFillStyleLst>
+        <a:solidFill>
+          <a:schemeClr val="phClr"/>
+        </a:solidFill>
+        <a:solidFill>
+          <a:schemeClr val="phClr">
+            <a:tint val="95000"/>
+            <a:satMod val="170000"/>
+          </a:schemeClr>
+        </a:solidFill>
+        <a:gradFill rotWithShape="1">
+          <a:gsLst>
+            <a:gs pos="0">
+              <a:schemeClr val="phClr">
+                <a:tint val="93000"/>
+                <a:satMod val="150000"/>
+                <a:shade val="98000"/>
+                <a:lumMod val="102000"/>
+              </a:schemeClr>
+            </a:gs>
+            <a:gs pos="50000">
+              <a:schemeClr val="phClr">
+                <a:tint val="98000"/>
+                <a:satMod val="130000"/>
+                <a:shade val="90000"/>
+                <a:lumMod val="103000"/>
+              </a:schemeClr>
+            </a:gs>
+            <a:gs pos="100000">
+              <a:schemeClr val="phClr">
+                <a:shade val="63000"/>
+                <a:satMod val="120000"/>
+              </a:schemeClr>
+            </a:gs>
+          </a:gsLst>
+          <a:lin ang="5400000" scaled="0"/>
+        </a:gradFill>
+      </a:bgFillStyleLst>
+    </a:fmtScheme>
+  </a:themeElements>
+  <a:objectDefaults>
+    <a:lnDef>
+      <a:spPr/>
+      <a:bodyPr/>
+      <a:lstStyle/>
+      <a:style>
+        <a:lnRef idx="2">
+          <a:schemeClr val="accent1"/>
+        </a:lnRef>
+        <a:fillRef idx="0">
+          <a:schemeClr val="accent1"/>
+        </a:fillRef>
+        <a:effectRef idx="1">
+          <a:schemeClr val="accent1"/>
+        </a:effectRef>
+        <a:fontRef idx="minor">
+          <a:schemeClr val="tx1"/>
+        </a:fontRef>
+      </a:style>
+    </a:lnDef>
+  </a:objectDefaults>
+  <a:extraClrSchemeLst/>
+  <a:extLst>
+    <a:ext uri="{05A4C25C-085E-4340-85A3-A5531E510DB2}">
+      <thm15:themeFamily xmlns:thm15="http://schemas.microsoft.com/office/thememl/2012/main" name="Office Theme" id="{2E142A2C-CD16-42D6-873A-C26D2A0506FA}" vid="{1BDDFF52-6CD6-40A5-AB3C-68EB2F1E4D0A}"/>
+    </a:ext>
+  </a:extLst>
+</a:theme>
 </file>